--- a/Bachelor/17_Ausarbeitung_Full/2_RT_Edge/img/RT_Edge.pptx
+++ b/Bachelor/17_Ausarbeitung_Full/2_RT_Edge/img/RT_Edge.pptx
@@ -256,7 +256,7 @@
           <a:p>
             <a:fld id="{C7F87944-48CA-44D6-9C3F-1443EDA25228}" type="datetimeFigureOut">
               <a:rPr lang="de-DE" smtClean="0"/>
-              <a:t>04.05.2017</a:t>
+              <a:t>15.05.2017</a:t>
             </a:fld>
             <a:endParaRPr lang="de-DE"/>
           </a:p>
@@ -426,7 +426,7 @@
           <a:p>
             <a:fld id="{C7F87944-48CA-44D6-9C3F-1443EDA25228}" type="datetimeFigureOut">
               <a:rPr lang="de-DE" smtClean="0"/>
-              <a:t>04.05.2017</a:t>
+              <a:t>15.05.2017</a:t>
             </a:fld>
             <a:endParaRPr lang="de-DE"/>
           </a:p>
@@ -606,7 +606,7 @@
           <a:p>
             <a:fld id="{C7F87944-48CA-44D6-9C3F-1443EDA25228}" type="datetimeFigureOut">
               <a:rPr lang="de-DE" smtClean="0"/>
-              <a:t>04.05.2017</a:t>
+              <a:t>15.05.2017</a:t>
             </a:fld>
             <a:endParaRPr lang="de-DE"/>
           </a:p>
@@ -776,7 +776,7 @@
           <a:p>
             <a:fld id="{C7F87944-48CA-44D6-9C3F-1443EDA25228}" type="datetimeFigureOut">
               <a:rPr lang="de-DE" smtClean="0"/>
-              <a:t>04.05.2017</a:t>
+              <a:t>15.05.2017</a:t>
             </a:fld>
             <a:endParaRPr lang="de-DE"/>
           </a:p>
@@ -1022,7 +1022,7 @@
           <a:p>
             <a:fld id="{C7F87944-48CA-44D6-9C3F-1443EDA25228}" type="datetimeFigureOut">
               <a:rPr lang="de-DE" smtClean="0"/>
-              <a:t>04.05.2017</a:t>
+              <a:t>15.05.2017</a:t>
             </a:fld>
             <a:endParaRPr lang="de-DE"/>
           </a:p>
@@ -1254,7 +1254,7 @@
           <a:p>
             <a:fld id="{C7F87944-48CA-44D6-9C3F-1443EDA25228}" type="datetimeFigureOut">
               <a:rPr lang="de-DE" smtClean="0"/>
-              <a:t>04.05.2017</a:t>
+              <a:t>15.05.2017</a:t>
             </a:fld>
             <a:endParaRPr lang="de-DE"/>
           </a:p>
@@ -1621,7 +1621,7 @@
           <a:p>
             <a:fld id="{C7F87944-48CA-44D6-9C3F-1443EDA25228}" type="datetimeFigureOut">
               <a:rPr lang="de-DE" smtClean="0"/>
-              <a:t>04.05.2017</a:t>
+              <a:t>15.05.2017</a:t>
             </a:fld>
             <a:endParaRPr lang="de-DE"/>
           </a:p>
@@ -1739,7 +1739,7 @@
           <a:p>
             <a:fld id="{C7F87944-48CA-44D6-9C3F-1443EDA25228}" type="datetimeFigureOut">
               <a:rPr lang="de-DE" smtClean="0"/>
-              <a:t>04.05.2017</a:t>
+              <a:t>15.05.2017</a:t>
             </a:fld>
             <a:endParaRPr lang="de-DE"/>
           </a:p>
@@ -1834,7 +1834,7 @@
           <a:p>
             <a:fld id="{C7F87944-48CA-44D6-9C3F-1443EDA25228}" type="datetimeFigureOut">
               <a:rPr lang="de-DE" smtClean="0"/>
-              <a:t>04.05.2017</a:t>
+              <a:t>15.05.2017</a:t>
             </a:fld>
             <a:endParaRPr lang="de-DE"/>
           </a:p>
@@ -2111,7 +2111,7 @@
           <a:p>
             <a:fld id="{C7F87944-48CA-44D6-9C3F-1443EDA25228}" type="datetimeFigureOut">
               <a:rPr lang="de-DE" smtClean="0"/>
-              <a:t>04.05.2017</a:t>
+              <a:t>15.05.2017</a:t>
             </a:fld>
             <a:endParaRPr lang="de-DE"/>
           </a:p>
@@ -2364,7 +2364,7 @@
           <a:p>
             <a:fld id="{C7F87944-48CA-44D6-9C3F-1443EDA25228}" type="datetimeFigureOut">
               <a:rPr lang="de-DE" smtClean="0"/>
-              <a:t>04.05.2017</a:t>
+              <a:t>15.05.2017</a:t>
             </a:fld>
             <a:endParaRPr lang="de-DE"/>
           </a:p>
@@ -2577,7 +2577,7 @@
           <a:p>
             <a:fld id="{C7F87944-48CA-44D6-9C3F-1443EDA25228}" type="datetimeFigureOut">
               <a:rPr lang="de-DE" smtClean="0"/>
-              <a:t>04.05.2017</a:t>
+              <a:t>15.05.2017</a:t>
             </a:fld>
             <a:endParaRPr lang="de-DE"/>
           </a:p>
@@ -3042,78 +3042,18 @@
           </a:p>
         </p:txBody>
       </p:sp>
-      <p:sp>
-        <p:nvSpPr>
-          <p:cNvPr id="31" name="Rechteck 30"/>
-          <p:cNvSpPr/>
-          <p:nvPr/>
-        </p:nvSpPr>
-        <p:spPr>
-          <a:xfrm>
-            <a:off x="6089582" y="4679462"/>
-            <a:ext cx="619225" cy="729686"/>
-          </a:xfrm>
-          <a:prstGeom prst="rect">
-            <a:avLst/>
-          </a:prstGeom>
-          <a:solidFill>
-            <a:schemeClr val="bg1"/>
-          </a:solidFill>
-          <a:ln>
-            <a:solidFill>
-              <a:schemeClr val="tx1"/>
-            </a:solidFill>
-          </a:ln>
-        </p:spPr>
-        <p:style>
-          <a:lnRef idx="2">
-            <a:schemeClr val="accent1">
-              <a:shade val="50000"/>
-            </a:schemeClr>
-          </a:lnRef>
-          <a:fillRef idx="1">
-            <a:schemeClr val="accent1"/>
-          </a:fillRef>
-          <a:effectRef idx="0">
-            <a:schemeClr val="accent1"/>
-          </a:effectRef>
-          <a:fontRef idx="minor">
-            <a:schemeClr val="lt1"/>
-          </a:fontRef>
-        </p:style>
-        <p:txBody>
-          <a:bodyPr rtlCol="0" anchor="ctr"/>
-          <a:lstStyle/>
-          <a:p>
-            <a:pPr algn="ctr"/>
-            <a:r>
-              <a:rPr lang="de-DE" sz="4000" b="1" i="1" dirty="0" smtClean="0">
-                <a:solidFill>
-                  <a:sysClr val="windowText" lastClr="000000"/>
-                </a:solidFill>
-              </a:rPr>
-              <a:t>-K</a:t>
-            </a:r>
-            <a:endParaRPr lang="de-DE" sz="4000" b="1" i="1" dirty="0">
-              <a:solidFill>
-                <a:sysClr val="windowText" lastClr="000000"/>
-              </a:solidFill>
-            </a:endParaRPr>
-          </a:p>
-        </p:txBody>
-      </p:sp>
       <p:cxnSp>
         <p:nvCxnSpPr>
           <p:cNvPr id="34" name="Gerade Verbindung mit Pfeil 11"/>
           <p:cNvCxnSpPr>
-            <a:endCxn id="31" idx="3"/>
+            <a:endCxn id="24" idx="3"/>
           </p:cNvCxnSpPr>
           <p:nvPr/>
         </p:nvCxnSpPr>
         <p:spPr>
           <a:xfrm rot="5400000">
-            <a:off x="6126070" y="3506257"/>
-            <a:ext cx="2120786" cy="955311"/>
+            <a:off x="6217307" y="3465492"/>
+            <a:ext cx="1988786" cy="904843"/>
           </a:xfrm>
           <a:prstGeom prst="bentConnector2">
             <a:avLst/>
@@ -3144,19 +3084,19 @@
         <p:nvCxnSpPr>
           <p:cNvPr id="37" name="Gerade Verbindung mit Pfeil 11"/>
           <p:cNvCxnSpPr>
-            <a:stCxn id="31" idx="1"/>
-            <a:endCxn id="62" idx="1"/>
+            <a:stCxn id="24" idx="1"/>
+            <a:endCxn id="27" idx="1"/>
           </p:cNvCxnSpPr>
           <p:nvPr/>
         </p:nvCxnSpPr>
         <p:spPr>
           <a:xfrm rot="10800000">
-            <a:off x="3221256" y="2414727"/>
-            <a:ext cx="2868326" cy="2629578"/>
+            <a:off x="3275813" y="2414728"/>
+            <a:ext cx="2763295" cy="2497579"/>
           </a:xfrm>
           <a:prstGeom prst="bentConnector3">
             <a:avLst>
-              <a:gd name="adj1" fmla="val 131796"/>
+              <a:gd name="adj1" fmla="val 132225"/>
             </a:avLst>
           </a:prstGeom>
           <a:ln w="63500">
@@ -3191,7 +3131,7 @@
             </p:nvSpPr>
             <p:spPr>
               <a:xfrm>
-                <a:off x="5313266" y="4514039"/>
+                <a:off x="5372614" y="4350481"/>
                 <a:ext cx="616017" cy="523220"/>
               </a:xfrm>
               <a:prstGeom prst="rect">
@@ -3205,6 +3145,7 @@
               </a:bodyPr>
               <a:lstStyle/>
               <a:p>
+                <a:pPr/>
                 <a14:m>
                   <m:oMathPara xmlns:m="http://schemas.openxmlformats.org/officeDocument/2006/math">
                     <m:oMathParaPr>
@@ -3255,7 +3196,7 @@
             </p:nvSpPr>
             <p:spPr>
               <a:xfrm>
-                <a:off x="5313266" y="4514039"/>
+                <a:off x="5372614" y="4350481"/>
                 <a:ext cx="616017" cy="523220"/>
               </a:xfrm>
               <a:prstGeom prst="rect">
@@ -3283,341 +3224,19 @@
           </p:sp>
         </mc:Fallback>
       </mc:AlternateContent>
-      <p:sp>
-        <p:nvSpPr>
-          <p:cNvPr id="61" name="Rechteck 60"/>
-          <p:cNvSpPr/>
-          <p:nvPr/>
-        </p:nvSpPr>
-        <p:spPr>
-          <a:xfrm>
-            <a:off x="6089582" y="3279940"/>
-            <a:ext cx="619225" cy="729686"/>
-          </a:xfrm>
-          <a:prstGeom prst="rect">
-            <a:avLst/>
-          </a:prstGeom>
-          <a:solidFill>
-            <a:schemeClr val="bg1"/>
-          </a:solidFill>
-          <a:ln>
-            <a:solidFill>
-              <a:schemeClr val="tx1"/>
-            </a:solidFill>
-          </a:ln>
-        </p:spPr>
-        <p:style>
-          <a:lnRef idx="2">
-            <a:schemeClr val="accent1">
-              <a:shade val="50000"/>
-            </a:schemeClr>
-          </a:lnRef>
-          <a:fillRef idx="1">
-            <a:schemeClr val="accent1"/>
-          </a:fillRef>
-          <a:effectRef idx="0">
-            <a:schemeClr val="accent1"/>
-          </a:effectRef>
-          <a:fontRef idx="minor">
-            <a:schemeClr val="lt1"/>
-          </a:fontRef>
-        </p:style>
-        <p:txBody>
-          <a:bodyPr rtlCol="0" anchor="ctr"/>
-          <a:lstStyle/>
-          <a:p>
-            <a:pPr algn="ctr"/>
-            <a:r>
-              <a:rPr lang="de-DE" sz="4000" b="1" i="1" dirty="0" smtClean="0">
-                <a:solidFill>
-                  <a:sysClr val="windowText" lastClr="000000"/>
-                </a:solidFill>
-              </a:rPr>
-              <a:t>A</a:t>
-            </a:r>
-            <a:endParaRPr lang="de-DE" sz="4000" b="1" i="1" dirty="0">
-              <a:solidFill>
-                <a:sysClr val="windowText" lastClr="000000"/>
-              </a:solidFill>
-            </a:endParaRPr>
-          </a:p>
-        </p:txBody>
-      </p:sp>
-      <p:sp>
-        <p:nvSpPr>
-          <p:cNvPr id="62" name="Rechteck 61"/>
-          <p:cNvSpPr/>
-          <p:nvPr/>
-        </p:nvSpPr>
-        <p:spPr>
-          <a:xfrm>
-            <a:off x="3221256" y="2049884"/>
-            <a:ext cx="619225" cy="729686"/>
-          </a:xfrm>
-          <a:prstGeom prst="rect">
-            <a:avLst/>
-          </a:prstGeom>
-          <a:solidFill>
-            <a:schemeClr val="bg1"/>
-          </a:solidFill>
-          <a:ln>
-            <a:solidFill>
-              <a:schemeClr val="tx1"/>
-            </a:solidFill>
-          </a:ln>
-        </p:spPr>
-        <p:style>
-          <a:lnRef idx="2">
-            <a:schemeClr val="accent1">
-              <a:shade val="50000"/>
-            </a:schemeClr>
-          </a:lnRef>
-          <a:fillRef idx="1">
-            <a:schemeClr val="accent1"/>
-          </a:fillRef>
-          <a:effectRef idx="0">
-            <a:schemeClr val="accent1"/>
-          </a:effectRef>
-          <a:fontRef idx="minor">
-            <a:schemeClr val="lt1"/>
-          </a:fontRef>
-        </p:style>
-        <p:txBody>
-          <a:bodyPr rtlCol="0" anchor="ctr"/>
-          <a:lstStyle/>
-          <a:p>
-            <a:pPr algn="ctr"/>
-            <a:r>
-              <a:rPr lang="de-DE" sz="4000" b="1" i="1" dirty="0" smtClean="0">
-                <a:solidFill>
-                  <a:sysClr val="windowText" lastClr="000000"/>
-                </a:solidFill>
-              </a:rPr>
-              <a:t>B</a:t>
-            </a:r>
-            <a:endParaRPr lang="de-DE" sz="4000" b="1" i="1" dirty="0">
-              <a:solidFill>
-                <a:sysClr val="windowText" lastClr="000000"/>
-              </a:solidFill>
-            </a:endParaRPr>
-          </a:p>
-        </p:txBody>
-      </p:sp>
-      <p:sp>
-        <p:nvSpPr>
-          <p:cNvPr id="63" name="Rechteck 62"/>
-          <p:cNvSpPr/>
-          <p:nvPr/>
-        </p:nvSpPr>
-        <p:spPr>
-          <a:xfrm>
-            <a:off x="8648299" y="2049884"/>
-            <a:ext cx="619225" cy="729686"/>
-          </a:xfrm>
-          <a:prstGeom prst="rect">
-            <a:avLst/>
-          </a:prstGeom>
-          <a:solidFill>
-            <a:schemeClr val="bg1"/>
-          </a:solidFill>
-          <a:ln>
-            <a:solidFill>
-              <a:schemeClr val="tx1"/>
-            </a:solidFill>
-          </a:ln>
-        </p:spPr>
-        <p:style>
-          <a:lnRef idx="2">
-            <a:schemeClr val="accent1">
-              <a:shade val="50000"/>
-            </a:schemeClr>
-          </a:lnRef>
-          <a:fillRef idx="1">
-            <a:schemeClr val="accent1"/>
-          </a:fillRef>
-          <a:effectRef idx="0">
-            <a:schemeClr val="accent1"/>
-          </a:effectRef>
-          <a:fontRef idx="minor">
-            <a:schemeClr val="lt1"/>
-          </a:fontRef>
-        </p:style>
-        <p:txBody>
-          <a:bodyPr rtlCol="0" anchor="ctr"/>
-          <a:lstStyle/>
-          <a:p>
-            <a:pPr algn="ctr"/>
-            <a:r>
-              <a:rPr lang="de-DE" sz="4000" b="1" i="1" dirty="0" smtClean="0">
-                <a:solidFill>
-                  <a:sysClr val="windowText" lastClr="000000"/>
-                </a:solidFill>
-              </a:rPr>
-              <a:t>C</a:t>
-            </a:r>
-            <a:endParaRPr lang="de-DE" sz="4000" b="1" i="1" dirty="0">
-              <a:solidFill>
-                <a:sysClr val="windowText" lastClr="000000"/>
-              </a:solidFill>
-            </a:endParaRPr>
-          </a:p>
-        </p:txBody>
-      </p:sp>
-      <mc:AlternateContent xmlns:mc="http://schemas.openxmlformats.org/markup-compatibility/2006">
-        <mc:Choice xmlns:a14="http://schemas.microsoft.com/office/drawing/2010/main" Requires="a14">
-          <p:sp>
-            <p:nvSpPr>
-              <p:cNvPr id="64" name="Rechteck 63"/>
-              <p:cNvSpPr/>
-              <p:nvPr/>
-            </p:nvSpPr>
-            <p:spPr>
-              <a:xfrm>
-                <a:off x="6089584" y="2049884"/>
-                <a:ext cx="619225" cy="729686"/>
-              </a:xfrm>
-              <a:prstGeom prst="rect">
-                <a:avLst/>
-              </a:prstGeom>
-              <a:solidFill>
-                <a:schemeClr val="bg1"/>
-              </a:solidFill>
-              <a:ln>
-                <a:solidFill>
-                  <a:schemeClr val="tx1"/>
-                </a:solidFill>
-              </a:ln>
-            </p:spPr>
-            <p:style>
-              <a:lnRef idx="2">
-                <a:schemeClr val="accent1">
-                  <a:shade val="50000"/>
-                </a:schemeClr>
-              </a:lnRef>
-              <a:fillRef idx="1">
-                <a:schemeClr val="accent1"/>
-              </a:fillRef>
-              <a:effectRef idx="0">
-                <a:schemeClr val="accent1"/>
-              </a:effectRef>
-              <a:fontRef idx="minor">
-                <a:schemeClr val="lt1"/>
-              </a:fontRef>
-            </p:style>
-            <p:txBody>
-              <a:bodyPr rtlCol="0" anchor="ctr"/>
-              <a:lstStyle/>
-              <a:p>
-                <a:pPr algn="just"/>
-                <a14:m>
-                  <m:oMathPara xmlns:m="http://schemas.openxmlformats.org/officeDocument/2006/math">
-                    <m:oMathParaPr>
-                      <m:jc m:val="center"/>
-                    </m:oMathParaPr>
-                    <m:oMath xmlns:m="http://schemas.openxmlformats.org/officeDocument/2006/math">
-                      <m:f>
-                        <m:fPr>
-                          <m:ctrlPr>
-                            <a:rPr lang="de-DE" sz="2000" b="1" i="1" smtClean="0">
-                              <a:solidFill>
-                                <a:sysClr val="windowText" lastClr="000000"/>
-                              </a:solidFill>
-                              <a:latin typeface="Cambria Math" panose="02040503050406030204" pitchFamily="18" charset="0"/>
-                            </a:rPr>
-                          </m:ctrlPr>
-                        </m:fPr>
-                        <m:num>
-                          <m:r>
-                            <a:rPr lang="de-DE" sz="2000" b="1" i="1" smtClean="0">
-                              <a:solidFill>
-                                <a:sysClr val="windowText" lastClr="000000"/>
-                              </a:solidFill>
-                              <a:latin typeface="Cambria Math" panose="02040503050406030204" pitchFamily="18" charset="0"/>
-                            </a:rPr>
-                            <m:t>𝟏</m:t>
-                          </m:r>
-                        </m:num>
-                        <m:den>
-                          <m:r>
-                            <a:rPr lang="de-DE" sz="2000" b="1" i="1" smtClean="0">
-                              <a:solidFill>
-                                <a:sysClr val="windowText" lastClr="000000"/>
-                              </a:solidFill>
-                              <a:latin typeface="Cambria Math" panose="02040503050406030204" pitchFamily="18" charset="0"/>
-                            </a:rPr>
-                            <m:t>𝒛</m:t>
-                          </m:r>
-                        </m:den>
-                      </m:f>
-                    </m:oMath>
-                  </m:oMathPara>
-                </a14:m>
-                <a:endParaRPr lang="de-DE" sz="4000" b="1" i="1" dirty="0">
-                  <a:solidFill>
-                    <a:sysClr val="windowText" lastClr="000000"/>
-                  </a:solidFill>
-                </a:endParaRPr>
-              </a:p>
-            </p:txBody>
-          </p:sp>
-        </mc:Choice>
-        <mc:Fallback>
-          <p:sp>
-            <p:nvSpPr>
-              <p:cNvPr id="64" name="Rechteck 63"/>
-              <p:cNvSpPr>
-                <a:spLocks noRot="1" noChangeAspect="1" noMove="1" noResize="1" noEditPoints="1" noAdjustHandles="1" noChangeArrowheads="1" noChangeShapeType="1" noTextEdit="1"/>
-              </p:cNvSpPr>
-              <p:nvPr/>
-            </p:nvSpPr>
-            <p:spPr>
-              <a:xfrm>
-                <a:off x="6089584" y="2049884"/>
-                <a:ext cx="619225" cy="729686"/>
-              </a:xfrm>
-              <a:prstGeom prst="rect">
-                <a:avLst/>
-              </a:prstGeom>
-              <a:blipFill rotWithShape="0">
-                <a:blip r:embed="rId3"/>
-                <a:stretch>
-                  <a:fillRect/>
-                </a:stretch>
-              </a:blipFill>
-              <a:ln>
-                <a:solidFill>
-                  <a:schemeClr val="tx1"/>
-                </a:solidFill>
-              </a:ln>
-            </p:spPr>
-            <p:txBody>
-              <a:bodyPr/>
-              <a:lstStyle/>
-              <a:p>
-                <a:r>
-                  <a:rPr lang="de-DE">
-                    <a:noFill/>
-                  </a:rPr>
-                  <a:t> </a:t>
-                </a:r>
-              </a:p>
-            </p:txBody>
-          </p:sp>
-        </mc:Fallback>
-      </mc:AlternateContent>
       <p:cxnSp>
         <p:nvCxnSpPr>
           <p:cNvPr id="65" name="Gerade Verbindung mit Pfeil 64"/>
           <p:cNvCxnSpPr>
             <a:stCxn id="68" idx="6"/>
-            <a:endCxn id="64" idx="1"/>
+            <a:endCxn id="29" idx="1"/>
           </p:cNvCxnSpPr>
           <p:nvPr/>
         </p:nvCxnSpPr>
         <p:spPr>
           <a:xfrm>
             <a:off x="4765536" y="2403302"/>
-            <a:ext cx="1324048" cy="11425"/>
+            <a:ext cx="1351323" cy="11425"/>
           </a:xfrm>
           <a:prstGeom prst="straightConnector1">
             <a:avLst/>
@@ -3648,15 +3267,15 @@
         <p:nvCxnSpPr>
           <p:cNvPr id="66" name="Gerade Verbindung mit Pfeil 65"/>
           <p:cNvCxnSpPr>
-            <a:stCxn id="64" idx="3"/>
-            <a:endCxn id="63" idx="1"/>
+            <a:stCxn id="29" idx="3"/>
+            <a:endCxn id="28" idx="1"/>
           </p:cNvCxnSpPr>
           <p:nvPr/>
         </p:nvCxnSpPr>
         <p:spPr>
           <a:xfrm>
-            <a:off x="6708809" y="2414727"/>
-            <a:ext cx="1939490" cy="0"/>
+            <a:off x="6681527" y="2414727"/>
+            <a:ext cx="1972164" cy="0"/>
           </a:xfrm>
           <a:prstGeom prst="straightConnector1">
             <a:avLst/>
@@ -3687,14 +3306,14 @@
         <p:nvCxnSpPr>
           <p:cNvPr id="67" name="Gerade Verbindung mit Pfeil 11"/>
           <p:cNvCxnSpPr>
-            <a:endCxn id="61" idx="3"/>
+            <a:endCxn id="25" idx="3"/>
           </p:cNvCxnSpPr>
           <p:nvPr/>
         </p:nvCxnSpPr>
         <p:spPr>
           <a:xfrm rot="5400000">
-            <a:off x="6565723" y="2546386"/>
-            <a:ext cx="1241481" cy="955312"/>
+            <a:off x="6561856" y="2550251"/>
+            <a:ext cx="1249215" cy="955315"/>
           </a:xfrm>
           <a:prstGeom prst="bentConnector2">
             <a:avLst/>
@@ -3721,8 +3340,8 @@
           </a:fontRef>
         </p:style>
       </p:cxnSp>
-      <mc:AlternateContent xmlns:mc="http://schemas.openxmlformats.org/markup-compatibility/2006">
-        <mc:Choice xmlns:a14="http://schemas.microsoft.com/office/drawing/2010/main" Requires="a14">
+      <mc:AlternateContent xmlns:mc="http://schemas.openxmlformats.org/markup-compatibility/2006" xmlns:a14="http://schemas.microsoft.com/office/drawing/2010/main">
+        <mc:Choice Requires="a14">
           <p:sp>
             <p:nvSpPr>
               <p:cNvPr id="68" name="Ellipse 67"/>
@@ -3799,7 +3418,7 @@
             </p:txBody>
           </p:sp>
         </mc:Choice>
-        <mc:Fallback>
+        <mc:Fallback xmlns="">
           <p:sp>
             <p:nvSpPr>
               <p:cNvPr id="68" name="Ellipse 67"/>
@@ -3847,15 +3466,15 @@
         <p:nvCxnSpPr>
           <p:cNvPr id="69" name="Gerade Verbindung mit Pfeil 68"/>
           <p:cNvCxnSpPr>
-            <a:stCxn id="62" idx="3"/>
+            <a:stCxn id="27" idx="3"/>
             <a:endCxn id="68" idx="2"/>
           </p:cNvCxnSpPr>
           <p:nvPr/>
         </p:nvCxnSpPr>
         <p:spPr>
           <a:xfrm flipV="1">
-            <a:off x="3840481" y="2403302"/>
-            <a:ext cx="424685" cy="11425"/>
+            <a:off x="3840480" y="2403302"/>
+            <a:ext cx="424686" cy="11425"/>
           </a:xfrm>
           <a:prstGeom prst="straightConnector1">
             <a:avLst/>
@@ -3886,15 +3505,15 @@
         <p:nvCxnSpPr>
           <p:cNvPr id="70" name="Gerade Verbindung mit Pfeil 11"/>
           <p:cNvCxnSpPr>
-            <a:stCxn id="61" idx="1"/>
+            <a:stCxn id="25" idx="1"/>
             <a:endCxn id="68" idx="4"/>
           </p:cNvCxnSpPr>
           <p:nvPr/>
         </p:nvCxnSpPr>
         <p:spPr>
           <a:xfrm rot="10800000">
-            <a:off x="4515352" y="2653487"/>
-            <a:ext cx="1574231" cy="991296"/>
+            <a:off x="4515351" y="2653488"/>
+            <a:ext cx="1628786" cy="999029"/>
           </a:xfrm>
           <a:prstGeom prst="bentConnector2">
             <a:avLst/>
@@ -3921,8 +3540,8 @@
           </a:fontRef>
         </p:style>
       </p:cxnSp>
-      <mc:AlternateContent xmlns:mc="http://schemas.openxmlformats.org/markup-compatibility/2006">
-        <mc:Choice xmlns:a14="http://schemas.microsoft.com/office/drawing/2010/main" Requires="a14">
+      <mc:AlternateContent xmlns:mc="http://schemas.openxmlformats.org/markup-compatibility/2006" xmlns:a14="http://schemas.microsoft.com/office/drawing/2010/main">
+        <mc:Choice Requires="a14">
           <p:sp>
             <p:nvSpPr>
               <p:cNvPr id="71" name="Textfeld 70"/>
@@ -3945,6 +3564,7 @@
               </a:bodyPr>
               <a:lstStyle/>
               <a:p>
+                <a:pPr/>
                 <a14:m>
                   <m:oMathPara xmlns:m="http://schemas.openxmlformats.org/officeDocument/2006/math">
                     <m:oMathParaPr>
@@ -3984,7 +3604,7 @@
             </p:txBody>
           </p:sp>
         </mc:Choice>
-        <mc:Fallback>
+        <mc:Fallback xmlns="">
           <p:sp>
             <p:nvSpPr>
               <p:cNvPr id="71" name="Textfeld 70"/>
@@ -4023,8 +3643,8 @@
           </p:sp>
         </mc:Fallback>
       </mc:AlternateContent>
-      <mc:AlternateContent xmlns:mc="http://schemas.openxmlformats.org/markup-compatibility/2006">
-        <mc:Choice xmlns:a14="http://schemas.microsoft.com/office/drawing/2010/main" Requires="a14">
+      <mc:AlternateContent xmlns:mc="http://schemas.openxmlformats.org/markup-compatibility/2006" xmlns:a14="http://schemas.microsoft.com/office/drawing/2010/main">
+        <mc:Choice Requires="a14">
           <p:sp>
             <p:nvSpPr>
               <p:cNvPr id="72" name="Textfeld 71"/>
@@ -4047,6 +3667,7 @@
               </a:bodyPr>
               <a:lstStyle/>
               <a:p>
+                <a:pPr/>
                 <a14:m>
                   <m:oMathPara xmlns:m="http://schemas.openxmlformats.org/officeDocument/2006/math">
                     <m:oMathParaPr>
@@ -4092,7 +3713,7 @@
             </p:txBody>
           </p:sp>
         </mc:Choice>
-        <mc:Fallback>
+        <mc:Fallback xmlns="">
           <p:sp>
             <p:nvSpPr>
               <p:cNvPr id="72" name="Textfeld 71"/>
@@ -4131,8 +3752,8 @@
           </p:sp>
         </mc:Fallback>
       </mc:AlternateContent>
-      <mc:AlternateContent xmlns:mc="http://schemas.openxmlformats.org/markup-compatibility/2006">
-        <mc:Choice xmlns:a14="http://schemas.microsoft.com/office/drawing/2010/main" Requires="a14">
+      <mc:AlternateContent xmlns:mc="http://schemas.openxmlformats.org/markup-compatibility/2006" xmlns:a14="http://schemas.microsoft.com/office/drawing/2010/main">
+        <mc:Choice Requires="a14">
           <p:sp>
             <p:nvSpPr>
               <p:cNvPr id="73" name="Textfeld 72"/>
@@ -4155,6 +3776,7 @@
               </a:bodyPr>
               <a:lstStyle/>
               <a:p>
+                <a:pPr/>
                 <a14:m>
                   <m:oMathPara xmlns:m="http://schemas.openxmlformats.org/officeDocument/2006/math">
                     <m:oMathParaPr>
@@ -4206,7 +3828,7 @@
             </p:txBody>
           </p:sp>
         </mc:Choice>
-        <mc:Fallback>
+        <mc:Fallback xmlns="">
           <p:sp>
             <p:nvSpPr>
               <p:cNvPr id="73" name="Textfeld 72"/>
@@ -4248,15 +3870,13 @@
       <p:cxnSp>
         <p:nvCxnSpPr>
           <p:cNvPr id="78" name="Gerade Verbindung mit Pfeil 77"/>
-          <p:cNvCxnSpPr>
-            <a:stCxn id="63" idx="3"/>
-          </p:cNvCxnSpPr>
+          <p:cNvCxnSpPr/>
           <p:nvPr/>
         </p:nvCxnSpPr>
         <p:spPr>
           <a:xfrm>
-            <a:off x="9267524" y="2414727"/>
-            <a:ext cx="1522396" cy="0"/>
+            <a:off x="9218359" y="2414727"/>
+            <a:ext cx="1571561" cy="0"/>
           </a:xfrm>
           <a:prstGeom prst="straightConnector1">
             <a:avLst/>
@@ -4283,6 +3903,416 @@
           </a:fontRef>
         </p:style>
       </p:cxnSp>
+      <p:sp>
+        <p:nvSpPr>
+          <p:cNvPr id="24" name="Rechteck 23"/>
+          <p:cNvSpPr/>
+          <p:nvPr/>
+        </p:nvSpPr>
+        <p:spPr>
+          <a:xfrm>
+            <a:off x="6039107" y="4547463"/>
+            <a:ext cx="720171" cy="729686"/>
+          </a:xfrm>
+          <a:prstGeom prst="rect">
+            <a:avLst/>
+          </a:prstGeom>
+          <a:solidFill>
+            <a:schemeClr val="bg1"/>
+          </a:solidFill>
+          <a:ln>
+            <a:solidFill>
+              <a:schemeClr val="tx1"/>
+            </a:solidFill>
+          </a:ln>
+        </p:spPr>
+        <p:style>
+          <a:lnRef idx="2">
+            <a:schemeClr val="accent1">
+              <a:shade val="50000"/>
+            </a:schemeClr>
+          </a:lnRef>
+          <a:fillRef idx="1">
+            <a:schemeClr val="accent1"/>
+          </a:fillRef>
+          <a:effectRef idx="0">
+            <a:schemeClr val="accent1"/>
+          </a:effectRef>
+          <a:fontRef idx="minor">
+            <a:schemeClr val="lt1"/>
+          </a:fontRef>
+        </p:style>
+        <p:txBody>
+          <a:bodyPr rtlCol="0" anchor="ctr"/>
+          <a:lstStyle/>
+          <a:p>
+            <a:pPr algn="just"/>
+            <a:r>
+              <a:rPr lang="de-DE" sz="4000" b="1" i="1" dirty="0">
+                <a:solidFill>
+                  <a:sysClr val="windowText" lastClr="000000"/>
+                </a:solidFill>
+                <a:latin typeface="Cambria Math" panose="02040503050406030204" pitchFamily="18" charset="0"/>
+                <a:ea typeface="Cambria Math" panose="02040503050406030204" pitchFamily="18" charset="0"/>
+              </a:rPr>
+              <a:t>-</a:t>
+            </a:r>
+            <a:r>
+              <a:rPr lang="de-DE" sz="4000" b="1" i="1" dirty="0" smtClean="0">
+                <a:solidFill>
+                  <a:sysClr val="windowText" lastClr="000000"/>
+                </a:solidFill>
+                <a:latin typeface="Cambria Math" panose="02040503050406030204" pitchFamily="18" charset="0"/>
+                <a:ea typeface="Cambria Math" panose="02040503050406030204" pitchFamily="18" charset="0"/>
+              </a:rPr>
+              <a:t>K</a:t>
+            </a:r>
+            <a:endParaRPr lang="de-DE" sz="4000" b="1" i="1" dirty="0">
+              <a:solidFill>
+                <a:sysClr val="windowText" lastClr="000000"/>
+              </a:solidFill>
+              <a:latin typeface="Cambria Math" panose="02040503050406030204" pitchFamily="18" charset="0"/>
+              <a:ea typeface="Cambria Math" panose="02040503050406030204" pitchFamily="18" charset="0"/>
+            </a:endParaRPr>
+          </a:p>
+        </p:txBody>
+      </p:sp>
+      <p:sp>
+        <p:nvSpPr>
+          <p:cNvPr id="25" name="Rechteck 24"/>
+          <p:cNvSpPr/>
+          <p:nvPr/>
+        </p:nvSpPr>
+        <p:spPr>
+          <a:xfrm>
+            <a:off x="6144137" y="3287673"/>
+            <a:ext cx="564668" cy="729686"/>
+          </a:xfrm>
+          <a:prstGeom prst="rect">
+            <a:avLst/>
+          </a:prstGeom>
+          <a:solidFill>
+            <a:schemeClr val="bg1"/>
+          </a:solidFill>
+          <a:ln>
+            <a:solidFill>
+              <a:schemeClr val="tx1"/>
+            </a:solidFill>
+          </a:ln>
+        </p:spPr>
+        <p:style>
+          <a:lnRef idx="2">
+            <a:schemeClr val="accent1">
+              <a:shade val="50000"/>
+            </a:schemeClr>
+          </a:lnRef>
+          <a:fillRef idx="1">
+            <a:schemeClr val="accent1"/>
+          </a:fillRef>
+          <a:effectRef idx="0">
+            <a:schemeClr val="accent1"/>
+          </a:effectRef>
+          <a:fontRef idx="minor">
+            <a:schemeClr val="lt1"/>
+          </a:fontRef>
+        </p:style>
+        <p:txBody>
+          <a:bodyPr rtlCol="0" anchor="ctr"/>
+          <a:lstStyle/>
+          <a:p>
+            <a:pPr algn="ctr"/>
+            <a:r>
+              <a:rPr lang="de-DE" sz="4000" b="1" i="1" dirty="0" smtClean="0">
+                <a:solidFill>
+                  <a:sysClr val="windowText" lastClr="000000"/>
+                </a:solidFill>
+                <a:latin typeface="Cambria Math" panose="02040503050406030204" pitchFamily="18" charset="0"/>
+                <a:ea typeface="Cambria Math" panose="02040503050406030204" pitchFamily="18" charset="0"/>
+              </a:rPr>
+              <a:t>A</a:t>
+            </a:r>
+            <a:endParaRPr lang="de-DE" sz="4000" b="1" i="1" dirty="0">
+              <a:solidFill>
+                <a:sysClr val="windowText" lastClr="000000"/>
+              </a:solidFill>
+              <a:latin typeface="Cambria Math" panose="02040503050406030204" pitchFamily="18" charset="0"/>
+              <a:ea typeface="Cambria Math" panose="02040503050406030204" pitchFamily="18" charset="0"/>
+            </a:endParaRPr>
+          </a:p>
+        </p:txBody>
+      </p:sp>
+      <p:sp>
+        <p:nvSpPr>
+          <p:cNvPr id="27" name="Rechteck 26"/>
+          <p:cNvSpPr/>
+          <p:nvPr/>
+        </p:nvSpPr>
+        <p:spPr>
+          <a:xfrm>
+            <a:off x="3275812" y="2049884"/>
+            <a:ext cx="564668" cy="729686"/>
+          </a:xfrm>
+          <a:prstGeom prst="rect">
+            <a:avLst/>
+          </a:prstGeom>
+          <a:solidFill>
+            <a:schemeClr val="bg1"/>
+          </a:solidFill>
+          <a:ln>
+            <a:solidFill>
+              <a:schemeClr val="tx1"/>
+            </a:solidFill>
+          </a:ln>
+        </p:spPr>
+        <p:style>
+          <a:lnRef idx="2">
+            <a:schemeClr val="accent1">
+              <a:shade val="50000"/>
+            </a:schemeClr>
+          </a:lnRef>
+          <a:fillRef idx="1">
+            <a:schemeClr val="accent1"/>
+          </a:fillRef>
+          <a:effectRef idx="0">
+            <a:schemeClr val="accent1"/>
+          </a:effectRef>
+          <a:fontRef idx="minor">
+            <a:schemeClr val="lt1"/>
+          </a:fontRef>
+        </p:style>
+        <p:txBody>
+          <a:bodyPr rtlCol="0" anchor="ctr"/>
+          <a:lstStyle/>
+          <a:p>
+            <a:pPr algn="just"/>
+            <a:r>
+              <a:rPr lang="de-DE" sz="4000" b="1" i="1" dirty="0" smtClean="0">
+                <a:solidFill>
+                  <a:sysClr val="windowText" lastClr="000000"/>
+                </a:solidFill>
+                <a:latin typeface="Cambria Math" panose="02040503050406030204" pitchFamily="18" charset="0"/>
+                <a:ea typeface="Cambria Math" panose="02040503050406030204" pitchFamily="18" charset="0"/>
+              </a:rPr>
+              <a:t>B</a:t>
+            </a:r>
+            <a:endParaRPr lang="de-DE" sz="4000" b="1" i="1" dirty="0">
+              <a:solidFill>
+                <a:sysClr val="windowText" lastClr="000000"/>
+              </a:solidFill>
+              <a:latin typeface="Cambria Math" panose="02040503050406030204" pitchFamily="18" charset="0"/>
+              <a:ea typeface="Cambria Math" panose="02040503050406030204" pitchFamily="18" charset="0"/>
+            </a:endParaRPr>
+          </a:p>
+        </p:txBody>
+      </p:sp>
+      <p:sp>
+        <p:nvSpPr>
+          <p:cNvPr id="28" name="Rechteck 27"/>
+          <p:cNvSpPr/>
+          <p:nvPr/>
+        </p:nvSpPr>
+        <p:spPr>
+          <a:xfrm>
+            <a:off x="8653691" y="2049884"/>
+            <a:ext cx="564668" cy="729686"/>
+          </a:xfrm>
+          <a:prstGeom prst="rect">
+            <a:avLst/>
+          </a:prstGeom>
+          <a:solidFill>
+            <a:schemeClr val="bg1"/>
+          </a:solidFill>
+          <a:ln>
+            <a:solidFill>
+              <a:schemeClr val="tx1"/>
+            </a:solidFill>
+          </a:ln>
+        </p:spPr>
+        <p:style>
+          <a:lnRef idx="2">
+            <a:schemeClr val="accent1">
+              <a:shade val="50000"/>
+            </a:schemeClr>
+          </a:lnRef>
+          <a:fillRef idx="1">
+            <a:schemeClr val="accent1"/>
+          </a:fillRef>
+          <a:effectRef idx="0">
+            <a:schemeClr val="accent1"/>
+          </a:effectRef>
+          <a:fontRef idx="minor">
+            <a:schemeClr val="lt1"/>
+          </a:fontRef>
+        </p:style>
+        <p:txBody>
+          <a:bodyPr rtlCol="0" anchor="ctr"/>
+          <a:lstStyle/>
+          <a:p>
+            <a:pPr algn="just"/>
+            <a:r>
+              <a:rPr lang="de-DE" sz="4000" b="1" i="1" dirty="0" smtClean="0">
+                <a:solidFill>
+                  <a:sysClr val="windowText" lastClr="000000"/>
+                </a:solidFill>
+                <a:latin typeface="Cambria Math" panose="02040503050406030204" pitchFamily="18" charset="0"/>
+                <a:ea typeface="Cambria Math" panose="02040503050406030204" pitchFamily="18" charset="0"/>
+              </a:rPr>
+              <a:t>C</a:t>
+            </a:r>
+            <a:endParaRPr lang="de-DE" sz="4000" b="1" i="1" dirty="0">
+              <a:solidFill>
+                <a:sysClr val="windowText" lastClr="000000"/>
+              </a:solidFill>
+              <a:latin typeface="Cambria Math" panose="02040503050406030204" pitchFamily="18" charset="0"/>
+              <a:ea typeface="Cambria Math" panose="02040503050406030204" pitchFamily="18" charset="0"/>
+            </a:endParaRPr>
+          </a:p>
+        </p:txBody>
+      </p:sp>
+      <mc:AlternateContent xmlns:mc="http://schemas.openxmlformats.org/markup-compatibility/2006">
+        <mc:Choice xmlns:a14="http://schemas.microsoft.com/office/drawing/2010/main" Requires="a14">
+          <p:sp>
+            <p:nvSpPr>
+              <p:cNvPr id="29" name="Rechteck 28"/>
+              <p:cNvSpPr/>
+              <p:nvPr/>
+            </p:nvSpPr>
+            <p:spPr>
+              <a:xfrm>
+                <a:off x="6116859" y="2049884"/>
+                <a:ext cx="564668" cy="729686"/>
+              </a:xfrm>
+              <a:prstGeom prst="rect">
+                <a:avLst/>
+              </a:prstGeom>
+              <a:solidFill>
+                <a:schemeClr val="bg1"/>
+              </a:solidFill>
+              <a:ln>
+                <a:solidFill>
+                  <a:schemeClr val="tx1"/>
+                </a:solidFill>
+              </a:ln>
+            </p:spPr>
+            <p:style>
+              <a:lnRef idx="2">
+                <a:schemeClr val="accent1">
+                  <a:shade val="50000"/>
+                </a:schemeClr>
+              </a:lnRef>
+              <a:fillRef idx="1">
+                <a:schemeClr val="accent1"/>
+              </a:fillRef>
+              <a:effectRef idx="0">
+                <a:schemeClr val="accent1"/>
+              </a:effectRef>
+              <a:fontRef idx="minor">
+                <a:schemeClr val="lt1"/>
+              </a:fontRef>
+            </p:style>
+            <p:txBody>
+              <a:bodyPr rtlCol="0" anchor="ctr"/>
+              <a:lstStyle/>
+              <a:p>
+                <a:pPr algn="just"/>
+                <a14:m>
+                  <m:oMathPara xmlns:m="http://schemas.openxmlformats.org/officeDocument/2006/math">
+                    <m:oMathParaPr>
+                      <m:jc m:val="center"/>
+                    </m:oMathParaPr>
+                    <m:oMath xmlns:m="http://schemas.openxmlformats.org/officeDocument/2006/math">
+                      <m:f>
+                        <m:fPr>
+                          <m:ctrlPr>
+                            <a:rPr lang="de-DE" sz="2400" b="1" i="1">
+                              <a:solidFill>
+                                <a:sysClr val="windowText" lastClr="000000"/>
+                              </a:solidFill>
+                              <a:latin typeface="Cambria Math" panose="02040503050406030204" pitchFamily="18" charset="0"/>
+                            </a:rPr>
+                          </m:ctrlPr>
+                        </m:fPr>
+                        <m:num>
+                          <m:r>
+                            <a:rPr lang="de-DE" sz="2400" b="1" i="1">
+                              <a:solidFill>
+                                <a:sysClr val="windowText" lastClr="000000"/>
+                              </a:solidFill>
+                              <a:latin typeface="Cambria Math" panose="02040503050406030204" pitchFamily="18" charset="0"/>
+                            </a:rPr>
+                            <m:t>𝟏</m:t>
+                          </m:r>
+                        </m:num>
+                        <m:den>
+                          <m:r>
+                            <a:rPr lang="de-DE" sz="2400" b="1" i="1">
+                              <a:solidFill>
+                                <a:sysClr val="windowText" lastClr="000000"/>
+                              </a:solidFill>
+                              <a:latin typeface="Cambria Math" panose="02040503050406030204" pitchFamily="18" charset="0"/>
+                            </a:rPr>
+                            <m:t>𝒛</m:t>
+                          </m:r>
+                        </m:den>
+                      </m:f>
+                    </m:oMath>
+                  </m:oMathPara>
+                </a14:m>
+                <a:endParaRPr lang="de-DE" sz="4000" b="1" i="1" dirty="0">
+                  <a:solidFill>
+                    <a:sysClr val="windowText" lastClr="000000"/>
+                  </a:solidFill>
+                  <a:latin typeface="Cambria Math" panose="02040503050406030204" pitchFamily="18" charset="0"/>
+                  <a:ea typeface="Cambria Math" panose="02040503050406030204" pitchFamily="18" charset="0"/>
+                </a:endParaRPr>
+              </a:p>
+            </p:txBody>
+          </p:sp>
+        </mc:Choice>
+        <mc:Fallback>
+          <p:sp>
+            <p:nvSpPr>
+              <p:cNvPr id="29" name="Rechteck 28"/>
+              <p:cNvSpPr>
+                <a:spLocks noRot="1" noChangeAspect="1" noMove="1" noResize="1" noEditPoints="1" noAdjustHandles="1" noChangeArrowheads="1" noChangeShapeType="1" noTextEdit="1"/>
+              </p:cNvSpPr>
+              <p:nvPr/>
+            </p:nvSpPr>
+            <p:spPr>
+              <a:xfrm>
+                <a:off x="6116859" y="2049884"/>
+                <a:ext cx="564668" cy="729686"/>
+              </a:xfrm>
+              <a:prstGeom prst="rect">
+                <a:avLst/>
+              </a:prstGeom>
+              <a:blipFill rotWithShape="0">
+                <a:blip r:embed="rId8"/>
+                <a:stretch>
+                  <a:fillRect/>
+                </a:stretch>
+              </a:blipFill>
+              <a:ln>
+                <a:solidFill>
+                  <a:schemeClr val="tx1"/>
+                </a:solidFill>
+              </a:ln>
+            </p:spPr>
+            <p:txBody>
+              <a:bodyPr/>
+              <a:lstStyle/>
+              <a:p>
+                <a:r>
+                  <a:rPr lang="de-DE">
+                    <a:noFill/>
+                  </a:rPr>
+                  <a:t> </a:t>
+                </a:r>
+              </a:p>
+            </p:txBody>
+          </p:sp>
+        </mc:Fallback>
+      </mc:AlternateContent>
     </p:spTree>
     <p:extLst>
       <p:ext uri="{BB962C8B-B14F-4D97-AF65-F5344CB8AC3E}">
@@ -4373,334 +4403,11 @@
           </a:p>
         </p:txBody>
       </p:sp>
-      <p:sp>
-        <p:nvSpPr>
-          <p:cNvPr id="4" name="Rechteck 3"/>
-          <p:cNvSpPr/>
-          <p:nvPr/>
-        </p:nvSpPr>
-        <p:spPr>
-          <a:xfrm>
-            <a:off x="5935577" y="2012209"/>
-            <a:ext cx="619225" cy="729686"/>
-          </a:xfrm>
-          <a:prstGeom prst="rect">
-            <a:avLst/>
-          </a:prstGeom>
-          <a:solidFill>
-            <a:schemeClr val="bg1"/>
-          </a:solidFill>
-          <a:ln>
-            <a:solidFill>
-              <a:schemeClr val="tx1"/>
-            </a:solidFill>
-          </a:ln>
-        </p:spPr>
-        <p:style>
-          <a:lnRef idx="2">
-            <a:schemeClr val="accent1">
-              <a:shade val="50000"/>
-            </a:schemeClr>
-          </a:lnRef>
-          <a:fillRef idx="1">
-            <a:schemeClr val="accent1"/>
-          </a:fillRef>
-          <a:effectRef idx="0">
-            <a:schemeClr val="accent1"/>
-          </a:effectRef>
-          <a:fontRef idx="minor">
-            <a:schemeClr val="lt1"/>
-          </a:fontRef>
-        </p:style>
-        <p:txBody>
-          <a:bodyPr rtlCol="0" anchor="ctr"/>
-          <a:lstStyle/>
-          <a:p>
-            <a:pPr algn="ctr"/>
-            <a:r>
-              <a:rPr lang="de-DE" sz="4000" b="1" i="1" dirty="0" smtClean="0">
-                <a:solidFill>
-                  <a:sysClr val="windowText" lastClr="000000"/>
-                </a:solidFill>
-              </a:rPr>
-              <a:t>A</a:t>
-            </a:r>
-            <a:endParaRPr lang="de-DE" sz="4000" b="1" i="1" dirty="0">
-              <a:solidFill>
-                <a:sysClr val="windowText" lastClr="000000"/>
-              </a:solidFill>
-            </a:endParaRPr>
-          </a:p>
-        </p:txBody>
-      </p:sp>
-      <p:sp>
-        <p:nvSpPr>
-          <p:cNvPr id="5" name="Rechteck 4"/>
-          <p:cNvSpPr/>
-          <p:nvPr/>
-        </p:nvSpPr>
-        <p:spPr>
-          <a:xfrm>
-            <a:off x="3067251" y="782153"/>
-            <a:ext cx="619225" cy="729686"/>
-          </a:xfrm>
-          <a:prstGeom prst="rect">
-            <a:avLst/>
-          </a:prstGeom>
-          <a:solidFill>
-            <a:schemeClr val="bg1"/>
-          </a:solidFill>
-          <a:ln>
-            <a:solidFill>
-              <a:schemeClr val="tx1"/>
-            </a:solidFill>
-          </a:ln>
-        </p:spPr>
-        <p:style>
-          <a:lnRef idx="2">
-            <a:schemeClr val="accent1">
-              <a:shade val="50000"/>
-            </a:schemeClr>
-          </a:lnRef>
-          <a:fillRef idx="1">
-            <a:schemeClr val="accent1"/>
-          </a:fillRef>
-          <a:effectRef idx="0">
-            <a:schemeClr val="accent1"/>
-          </a:effectRef>
-          <a:fontRef idx="minor">
-            <a:schemeClr val="lt1"/>
-          </a:fontRef>
-        </p:style>
-        <p:txBody>
-          <a:bodyPr rtlCol="0" anchor="ctr"/>
-          <a:lstStyle/>
-          <a:p>
-            <a:pPr algn="ctr"/>
-            <a:r>
-              <a:rPr lang="de-DE" sz="4000" b="1" i="1" dirty="0" smtClean="0">
-                <a:solidFill>
-                  <a:sysClr val="windowText" lastClr="000000"/>
-                </a:solidFill>
-              </a:rPr>
-              <a:t>B</a:t>
-            </a:r>
-            <a:endParaRPr lang="de-DE" sz="4000" b="1" i="1" dirty="0">
-              <a:solidFill>
-                <a:sysClr val="windowText" lastClr="000000"/>
-              </a:solidFill>
-            </a:endParaRPr>
-          </a:p>
-        </p:txBody>
-      </p:sp>
-      <p:sp>
-        <p:nvSpPr>
-          <p:cNvPr id="6" name="Rechteck 5"/>
-          <p:cNvSpPr/>
-          <p:nvPr/>
-        </p:nvSpPr>
-        <p:spPr>
-          <a:xfrm>
-            <a:off x="8494294" y="782153"/>
-            <a:ext cx="619225" cy="729686"/>
-          </a:xfrm>
-          <a:prstGeom prst="rect">
-            <a:avLst/>
-          </a:prstGeom>
-          <a:solidFill>
-            <a:schemeClr val="bg1"/>
-          </a:solidFill>
-          <a:ln>
-            <a:solidFill>
-              <a:schemeClr val="tx1"/>
-            </a:solidFill>
-          </a:ln>
-        </p:spPr>
-        <p:style>
-          <a:lnRef idx="2">
-            <a:schemeClr val="accent1">
-              <a:shade val="50000"/>
-            </a:schemeClr>
-          </a:lnRef>
-          <a:fillRef idx="1">
-            <a:schemeClr val="accent1"/>
-          </a:fillRef>
-          <a:effectRef idx="0">
-            <a:schemeClr val="accent1"/>
-          </a:effectRef>
-          <a:fontRef idx="minor">
-            <a:schemeClr val="lt1"/>
-          </a:fontRef>
-        </p:style>
-        <p:txBody>
-          <a:bodyPr rtlCol="0" anchor="ctr"/>
-          <a:lstStyle/>
-          <a:p>
-            <a:pPr algn="ctr"/>
-            <a:r>
-              <a:rPr lang="de-DE" sz="4000" b="1" i="1" dirty="0" smtClean="0">
-                <a:solidFill>
-                  <a:sysClr val="windowText" lastClr="000000"/>
-                </a:solidFill>
-              </a:rPr>
-              <a:t>C</a:t>
-            </a:r>
-            <a:endParaRPr lang="de-DE" sz="4000" b="1" i="1" dirty="0">
-              <a:solidFill>
-                <a:sysClr val="windowText" lastClr="000000"/>
-              </a:solidFill>
-            </a:endParaRPr>
-          </a:p>
-        </p:txBody>
-      </p:sp>
-      <mc:AlternateContent xmlns:mc="http://schemas.openxmlformats.org/markup-compatibility/2006">
-        <mc:Choice xmlns:a14="http://schemas.microsoft.com/office/drawing/2010/main" Requires="a14">
-          <p:sp>
-            <p:nvSpPr>
-              <p:cNvPr id="7" name="Rechteck 6"/>
-              <p:cNvSpPr/>
-              <p:nvPr/>
-            </p:nvSpPr>
-            <p:spPr>
-              <a:xfrm>
-                <a:off x="5935579" y="782153"/>
-                <a:ext cx="619225" cy="729686"/>
-              </a:xfrm>
-              <a:prstGeom prst="rect">
-                <a:avLst/>
-              </a:prstGeom>
-              <a:solidFill>
-                <a:schemeClr val="bg1"/>
-              </a:solidFill>
-              <a:ln>
-                <a:solidFill>
-                  <a:schemeClr val="tx1"/>
-                </a:solidFill>
-              </a:ln>
-            </p:spPr>
-            <p:style>
-              <a:lnRef idx="2">
-                <a:schemeClr val="accent1">
-                  <a:shade val="50000"/>
-                </a:schemeClr>
-              </a:lnRef>
-              <a:fillRef idx="1">
-                <a:schemeClr val="accent1"/>
-              </a:fillRef>
-              <a:effectRef idx="0">
-                <a:schemeClr val="accent1"/>
-              </a:effectRef>
-              <a:fontRef idx="minor">
-                <a:schemeClr val="lt1"/>
-              </a:fontRef>
-            </p:style>
-            <p:txBody>
-              <a:bodyPr rtlCol="0" anchor="ctr"/>
-              <a:lstStyle/>
-              <a:p>
-                <a:pPr algn="just"/>
-                <a14:m>
-                  <m:oMathPara xmlns:m="http://schemas.openxmlformats.org/officeDocument/2006/math">
-                    <m:oMathParaPr>
-                      <m:jc m:val="center"/>
-                    </m:oMathParaPr>
-                    <m:oMath xmlns:m="http://schemas.openxmlformats.org/officeDocument/2006/math">
-                      <m:f>
-                        <m:fPr>
-                          <m:ctrlPr>
-                            <a:rPr lang="de-DE" sz="2000" b="1" i="1" smtClean="0">
-                              <a:solidFill>
-                                <a:sysClr val="windowText" lastClr="000000"/>
-                              </a:solidFill>
-                              <a:latin typeface="Cambria Math" panose="02040503050406030204" pitchFamily="18" charset="0"/>
-                            </a:rPr>
-                          </m:ctrlPr>
-                        </m:fPr>
-                        <m:num>
-                          <m:r>
-                            <a:rPr lang="de-DE" sz="2000" b="1" i="1" smtClean="0">
-                              <a:solidFill>
-                                <a:sysClr val="windowText" lastClr="000000"/>
-                              </a:solidFill>
-                              <a:latin typeface="Cambria Math" panose="02040503050406030204" pitchFamily="18" charset="0"/>
-                            </a:rPr>
-                            <m:t>𝟏</m:t>
-                          </m:r>
-                        </m:num>
-                        <m:den>
-                          <m:r>
-                            <a:rPr lang="de-DE" sz="2000" b="1" i="1" smtClean="0">
-                              <a:solidFill>
-                                <a:sysClr val="windowText" lastClr="000000"/>
-                              </a:solidFill>
-                              <a:latin typeface="Cambria Math" panose="02040503050406030204" pitchFamily="18" charset="0"/>
-                            </a:rPr>
-                            <m:t>𝒛</m:t>
-                          </m:r>
-                        </m:den>
-                      </m:f>
-                    </m:oMath>
-                  </m:oMathPara>
-                </a14:m>
-                <a:endParaRPr lang="de-DE" sz="4000" b="1" i="1" dirty="0">
-                  <a:solidFill>
-                    <a:sysClr val="windowText" lastClr="000000"/>
-                  </a:solidFill>
-                </a:endParaRPr>
-              </a:p>
-            </p:txBody>
-          </p:sp>
-        </mc:Choice>
-        <mc:Fallback>
-          <p:sp>
-            <p:nvSpPr>
-              <p:cNvPr id="7" name="Rechteck 6"/>
-              <p:cNvSpPr>
-                <a:spLocks noRot="1" noChangeAspect="1" noMove="1" noResize="1" noEditPoints="1" noAdjustHandles="1" noChangeArrowheads="1" noChangeShapeType="1" noTextEdit="1"/>
-              </p:cNvSpPr>
-              <p:nvPr/>
-            </p:nvSpPr>
-            <p:spPr>
-              <a:xfrm>
-                <a:off x="5935579" y="782153"/>
-                <a:ext cx="619225" cy="729686"/>
-              </a:xfrm>
-              <a:prstGeom prst="rect">
-                <a:avLst/>
-              </a:prstGeom>
-              <a:blipFill rotWithShape="0">
-                <a:blip r:embed="rId2"/>
-                <a:stretch>
-                  <a:fillRect/>
-                </a:stretch>
-              </a:blipFill>
-              <a:ln>
-                <a:solidFill>
-                  <a:schemeClr val="tx1"/>
-                </a:solidFill>
-              </a:ln>
-            </p:spPr>
-            <p:txBody>
-              <a:bodyPr/>
-              <a:lstStyle/>
-              <a:p>
-                <a:r>
-                  <a:rPr lang="de-DE">
-                    <a:noFill/>
-                  </a:rPr>
-                  <a:t> </a:t>
-                </a:r>
-              </a:p>
-            </p:txBody>
-          </p:sp>
-        </mc:Fallback>
-      </mc:AlternateContent>
       <p:cxnSp>
         <p:nvCxnSpPr>
           <p:cNvPr id="9" name="Gerade Verbindung mit Pfeil 8"/>
           <p:cNvCxnSpPr>
             <a:stCxn id="20" idx="6"/>
-            <a:endCxn id="7" idx="1"/>
           </p:cNvCxnSpPr>
           <p:nvPr/>
         </p:nvCxnSpPr>
@@ -4738,15 +4445,14 @@
         <p:nvCxnSpPr>
           <p:cNvPr id="11" name="Gerade Verbindung mit Pfeil 10"/>
           <p:cNvCxnSpPr>
-            <a:stCxn id="7" idx="3"/>
-            <a:endCxn id="6" idx="1"/>
+            <a:endCxn id="67" idx="1"/>
           </p:cNvCxnSpPr>
           <p:nvPr/>
         </p:nvCxnSpPr>
         <p:spPr>
           <a:xfrm>
             <a:off x="6554804" y="1146996"/>
-            <a:ext cx="1939490" cy="0"/>
+            <a:ext cx="1907750" cy="0"/>
           </a:xfrm>
           <a:prstGeom prst="straightConnector1">
             <a:avLst/>
@@ -4777,14 +4483,14 @@
         <p:nvCxnSpPr>
           <p:cNvPr id="12" name="Gerade Verbindung mit Pfeil 11"/>
           <p:cNvCxnSpPr>
-            <a:endCxn id="4" idx="3"/>
+            <a:endCxn id="65" idx="3"/>
           </p:cNvCxnSpPr>
           <p:nvPr/>
         </p:nvCxnSpPr>
         <p:spPr>
           <a:xfrm rot="5400000">
-            <a:off x="6411718" y="1278655"/>
-            <a:ext cx="1241481" cy="955312"/>
+            <a:off x="6428692" y="1231419"/>
+            <a:ext cx="1177272" cy="985577"/>
           </a:xfrm>
           <a:prstGeom prst="bentConnector2">
             <a:avLst/>
@@ -4811,8 +4517,8 @@
           </a:fontRef>
         </p:style>
       </p:cxnSp>
-      <mc:AlternateContent xmlns:mc="http://schemas.openxmlformats.org/markup-compatibility/2006">
-        <mc:Choice xmlns:a14="http://schemas.microsoft.com/office/drawing/2010/main" Requires="a14">
+      <mc:AlternateContent xmlns:mc="http://schemas.openxmlformats.org/markup-compatibility/2006" xmlns:a14="http://schemas.microsoft.com/office/drawing/2010/main">
+        <mc:Choice Requires="a14">
           <p:sp>
             <p:nvSpPr>
               <p:cNvPr id="20" name="Ellipse 19"/>
@@ -4889,7 +4595,7 @@
             </p:txBody>
           </p:sp>
         </mc:Choice>
-        <mc:Fallback>
+        <mc:Fallback xmlns="">
           <p:sp>
             <p:nvSpPr>
               <p:cNvPr id="20" name="Ellipse 19"/>
@@ -4937,15 +4643,15 @@
         <p:nvCxnSpPr>
           <p:cNvPr id="22" name="Gerade Verbindung mit Pfeil 21"/>
           <p:cNvCxnSpPr>
-            <a:stCxn id="5" idx="3"/>
+            <a:stCxn id="66" idx="3"/>
             <a:endCxn id="20" idx="2"/>
           </p:cNvCxnSpPr>
           <p:nvPr/>
         </p:nvCxnSpPr>
         <p:spPr>
           <a:xfrm flipV="1">
-            <a:off x="3686476" y="1135571"/>
-            <a:ext cx="424685" cy="11425"/>
+            <a:off x="3628682" y="1135571"/>
+            <a:ext cx="482479" cy="11425"/>
           </a:xfrm>
           <a:prstGeom prst="straightConnector1">
             <a:avLst/>
@@ -4976,15 +4682,15 @@
         <p:nvCxnSpPr>
           <p:cNvPr id="24" name="Gerade Verbindung mit Pfeil 11"/>
           <p:cNvCxnSpPr>
-            <a:stCxn id="4" idx="1"/>
+            <a:stCxn id="65" idx="1"/>
             <a:endCxn id="20" idx="4"/>
           </p:cNvCxnSpPr>
           <p:nvPr/>
         </p:nvCxnSpPr>
         <p:spPr>
           <a:xfrm rot="10800000">
-            <a:off x="4361347" y="1385756"/>
-            <a:ext cx="1574231" cy="991296"/>
+            <a:off x="4361347" y="1385757"/>
+            <a:ext cx="1598525" cy="927087"/>
           </a:xfrm>
           <a:prstGeom prst="bentConnector2">
             <a:avLst/>
@@ -5015,15 +4721,15 @@
         <p:nvCxnSpPr>
           <p:cNvPr id="29" name="Gerade Verbindung mit Pfeil 28"/>
           <p:cNvCxnSpPr>
-            <a:stCxn id="6" idx="3"/>
+            <a:stCxn id="67" idx="3"/>
             <a:endCxn id="62" idx="0"/>
           </p:cNvCxnSpPr>
           <p:nvPr/>
         </p:nvCxnSpPr>
         <p:spPr>
           <a:xfrm>
-            <a:off x="9113519" y="1146996"/>
-            <a:ext cx="1560198" cy="2282560"/>
+            <a:off x="9027222" y="1146996"/>
+            <a:ext cx="1646495" cy="2282560"/>
           </a:xfrm>
           <a:prstGeom prst="bentConnector2">
             <a:avLst/>
@@ -5050,8 +4756,8 @@
           </a:fontRef>
         </p:style>
       </p:cxnSp>
-      <mc:AlternateContent xmlns:mc="http://schemas.openxmlformats.org/markup-compatibility/2006">
-        <mc:Choice xmlns:a14="http://schemas.microsoft.com/office/drawing/2010/main" Requires="a14">
+      <mc:AlternateContent xmlns:mc="http://schemas.openxmlformats.org/markup-compatibility/2006" xmlns:a14="http://schemas.microsoft.com/office/drawing/2010/main">
+        <mc:Choice Requires="a14">
           <p:sp>
             <p:nvSpPr>
               <p:cNvPr id="56" name="Textfeld 55"/>
@@ -5074,6 +4780,7 @@
               </a:bodyPr>
               <a:lstStyle/>
               <a:p>
+                <a:pPr/>
                 <a14:m>
                   <m:oMathPara xmlns:m="http://schemas.openxmlformats.org/officeDocument/2006/math">
                     <m:oMathParaPr>
@@ -5113,7 +4820,7 @@
             </p:txBody>
           </p:sp>
         </mc:Choice>
-        <mc:Fallback>
+        <mc:Fallback xmlns="">
           <p:sp>
             <p:nvSpPr>
               <p:cNvPr id="56" name="Textfeld 55"/>
@@ -5152,8 +4859,8 @@
           </p:sp>
         </mc:Fallback>
       </mc:AlternateContent>
-      <mc:AlternateContent xmlns:mc="http://schemas.openxmlformats.org/markup-compatibility/2006">
-        <mc:Choice xmlns:a14="http://schemas.microsoft.com/office/drawing/2010/main" Requires="a14">
+      <mc:AlternateContent xmlns:mc="http://schemas.openxmlformats.org/markup-compatibility/2006" xmlns:a14="http://schemas.microsoft.com/office/drawing/2010/main">
+        <mc:Choice Requires="a14">
           <p:sp>
             <p:nvSpPr>
               <p:cNvPr id="58" name="Textfeld 57"/>
@@ -5176,6 +4883,7 @@
               </a:bodyPr>
               <a:lstStyle/>
               <a:p>
+                <a:pPr/>
                 <a14:m>
                   <m:oMathPara xmlns:m="http://schemas.openxmlformats.org/officeDocument/2006/math">
                     <m:oMathParaPr>
@@ -5221,7 +4929,7 @@
             </p:txBody>
           </p:sp>
         </mc:Choice>
-        <mc:Fallback>
+        <mc:Fallback xmlns="">
           <p:sp>
             <p:nvSpPr>
               <p:cNvPr id="58" name="Textfeld 57"/>
@@ -5260,8 +4968,8 @@
           </p:sp>
         </mc:Fallback>
       </mc:AlternateContent>
-      <mc:AlternateContent xmlns:mc="http://schemas.openxmlformats.org/markup-compatibility/2006">
-        <mc:Choice xmlns:a14="http://schemas.microsoft.com/office/drawing/2010/main" Requires="a14">
+      <mc:AlternateContent xmlns:mc="http://schemas.openxmlformats.org/markup-compatibility/2006" xmlns:a14="http://schemas.microsoft.com/office/drawing/2010/main">
+        <mc:Choice Requires="a14">
           <p:sp>
             <p:nvSpPr>
               <p:cNvPr id="59" name="Textfeld 58"/>
@@ -5284,6 +4992,7 @@
               </a:bodyPr>
               <a:lstStyle/>
               <a:p>
+                <a:pPr/>
                 <a14:m>
                   <m:oMathPara xmlns:m="http://schemas.openxmlformats.org/officeDocument/2006/math">
                     <m:oMathParaPr>
@@ -5335,7 +5044,7 @@
             </p:txBody>
           </p:sp>
         </mc:Choice>
-        <mc:Fallback>
+        <mc:Fallback xmlns="">
           <p:sp>
             <p:nvSpPr>
               <p:cNvPr id="59" name="Textfeld 58"/>
@@ -5434,341 +5143,19 @@
           </a:p>
         </p:txBody>
       </p:sp>
-      <p:sp>
-        <p:nvSpPr>
-          <p:cNvPr id="44" name="Rechteck 43"/>
-          <p:cNvSpPr/>
-          <p:nvPr/>
-        </p:nvSpPr>
-        <p:spPr>
-          <a:xfrm>
-            <a:off x="5935577" y="5272376"/>
-            <a:ext cx="619225" cy="729686"/>
-          </a:xfrm>
-          <a:prstGeom prst="rect">
-            <a:avLst/>
-          </a:prstGeom>
-          <a:solidFill>
-            <a:schemeClr val="bg1"/>
-          </a:solidFill>
-          <a:ln>
-            <a:solidFill>
-              <a:schemeClr val="tx1"/>
-            </a:solidFill>
-          </a:ln>
-        </p:spPr>
-        <p:style>
-          <a:lnRef idx="2">
-            <a:schemeClr val="accent1">
-              <a:shade val="50000"/>
-            </a:schemeClr>
-          </a:lnRef>
-          <a:fillRef idx="1">
-            <a:schemeClr val="accent1"/>
-          </a:fillRef>
-          <a:effectRef idx="0">
-            <a:schemeClr val="accent1"/>
-          </a:effectRef>
-          <a:fontRef idx="minor">
-            <a:schemeClr val="lt1"/>
-          </a:fontRef>
-        </p:style>
-        <p:txBody>
-          <a:bodyPr rtlCol="0" anchor="ctr"/>
-          <a:lstStyle/>
-          <a:p>
-            <a:pPr algn="ctr"/>
-            <a:r>
-              <a:rPr lang="de-DE" sz="4000" b="1" i="1" dirty="0" smtClean="0">
-                <a:solidFill>
-                  <a:sysClr val="windowText" lastClr="000000"/>
-                </a:solidFill>
-              </a:rPr>
-              <a:t>A</a:t>
-            </a:r>
-            <a:endParaRPr lang="de-DE" sz="4000" b="1" i="1" dirty="0">
-              <a:solidFill>
-                <a:sysClr val="windowText" lastClr="000000"/>
-              </a:solidFill>
-            </a:endParaRPr>
-          </a:p>
-        </p:txBody>
-      </p:sp>
-      <p:sp>
-        <p:nvSpPr>
-          <p:cNvPr id="45" name="Rechteck 44"/>
-          <p:cNvSpPr/>
-          <p:nvPr/>
-        </p:nvSpPr>
-        <p:spPr>
-          <a:xfrm>
-            <a:off x="3067251" y="4292747"/>
-            <a:ext cx="619225" cy="729686"/>
-          </a:xfrm>
-          <a:prstGeom prst="rect">
-            <a:avLst/>
-          </a:prstGeom>
-          <a:solidFill>
-            <a:schemeClr val="bg1"/>
-          </a:solidFill>
-          <a:ln>
-            <a:solidFill>
-              <a:schemeClr val="tx1"/>
-            </a:solidFill>
-          </a:ln>
-        </p:spPr>
-        <p:style>
-          <a:lnRef idx="2">
-            <a:schemeClr val="accent1">
-              <a:shade val="50000"/>
-            </a:schemeClr>
-          </a:lnRef>
-          <a:fillRef idx="1">
-            <a:schemeClr val="accent1"/>
-          </a:fillRef>
-          <a:effectRef idx="0">
-            <a:schemeClr val="accent1"/>
-          </a:effectRef>
-          <a:fontRef idx="minor">
-            <a:schemeClr val="lt1"/>
-          </a:fontRef>
-        </p:style>
-        <p:txBody>
-          <a:bodyPr rtlCol="0" anchor="ctr"/>
-          <a:lstStyle/>
-          <a:p>
-            <a:pPr algn="ctr"/>
-            <a:r>
-              <a:rPr lang="de-DE" sz="4000" b="1" i="1" dirty="0" smtClean="0">
-                <a:solidFill>
-                  <a:sysClr val="windowText" lastClr="000000"/>
-                </a:solidFill>
-              </a:rPr>
-              <a:t>B</a:t>
-            </a:r>
-            <a:endParaRPr lang="de-DE" sz="4000" b="1" i="1" dirty="0">
-              <a:solidFill>
-                <a:sysClr val="windowText" lastClr="000000"/>
-              </a:solidFill>
-            </a:endParaRPr>
-          </a:p>
-        </p:txBody>
-      </p:sp>
-      <p:sp>
-        <p:nvSpPr>
-          <p:cNvPr id="46" name="Rechteck 45"/>
-          <p:cNvSpPr/>
-          <p:nvPr/>
-        </p:nvSpPr>
-        <p:spPr>
-          <a:xfrm>
-            <a:off x="8494294" y="4292747"/>
-            <a:ext cx="619225" cy="729686"/>
-          </a:xfrm>
-          <a:prstGeom prst="rect">
-            <a:avLst/>
-          </a:prstGeom>
-          <a:solidFill>
-            <a:schemeClr val="bg1"/>
-          </a:solidFill>
-          <a:ln>
-            <a:solidFill>
-              <a:schemeClr val="tx1"/>
-            </a:solidFill>
-          </a:ln>
-        </p:spPr>
-        <p:style>
-          <a:lnRef idx="2">
-            <a:schemeClr val="accent1">
-              <a:shade val="50000"/>
-            </a:schemeClr>
-          </a:lnRef>
-          <a:fillRef idx="1">
-            <a:schemeClr val="accent1"/>
-          </a:fillRef>
-          <a:effectRef idx="0">
-            <a:schemeClr val="accent1"/>
-          </a:effectRef>
-          <a:fontRef idx="minor">
-            <a:schemeClr val="lt1"/>
-          </a:fontRef>
-        </p:style>
-        <p:txBody>
-          <a:bodyPr rtlCol="0" anchor="ctr"/>
-          <a:lstStyle/>
-          <a:p>
-            <a:pPr algn="ctr"/>
-            <a:r>
-              <a:rPr lang="de-DE" sz="4000" b="1" i="1" dirty="0" smtClean="0">
-                <a:solidFill>
-                  <a:sysClr val="windowText" lastClr="000000"/>
-                </a:solidFill>
-              </a:rPr>
-              <a:t>C</a:t>
-            </a:r>
-            <a:endParaRPr lang="de-DE" sz="4000" b="1" i="1" dirty="0">
-              <a:solidFill>
-                <a:sysClr val="windowText" lastClr="000000"/>
-              </a:solidFill>
-            </a:endParaRPr>
-          </a:p>
-        </p:txBody>
-      </p:sp>
-      <mc:AlternateContent xmlns:mc="http://schemas.openxmlformats.org/markup-compatibility/2006">
-        <mc:Choice xmlns:a14="http://schemas.microsoft.com/office/drawing/2010/main" Requires="a14">
-          <p:sp>
-            <p:nvSpPr>
-              <p:cNvPr id="47" name="Rechteck 46"/>
-              <p:cNvSpPr/>
-              <p:nvPr/>
-            </p:nvSpPr>
-            <p:spPr>
-              <a:xfrm>
-                <a:off x="5935579" y="4293637"/>
-                <a:ext cx="619225" cy="729686"/>
-              </a:xfrm>
-              <a:prstGeom prst="rect">
-                <a:avLst/>
-              </a:prstGeom>
-              <a:solidFill>
-                <a:schemeClr val="bg1"/>
-              </a:solidFill>
-              <a:ln>
-                <a:solidFill>
-                  <a:schemeClr val="tx1"/>
-                </a:solidFill>
-              </a:ln>
-            </p:spPr>
-            <p:style>
-              <a:lnRef idx="2">
-                <a:schemeClr val="accent1">
-                  <a:shade val="50000"/>
-                </a:schemeClr>
-              </a:lnRef>
-              <a:fillRef idx="1">
-                <a:schemeClr val="accent1"/>
-              </a:fillRef>
-              <a:effectRef idx="0">
-                <a:schemeClr val="accent1"/>
-              </a:effectRef>
-              <a:fontRef idx="minor">
-                <a:schemeClr val="lt1"/>
-              </a:fontRef>
-            </p:style>
-            <p:txBody>
-              <a:bodyPr rtlCol="0" anchor="ctr"/>
-              <a:lstStyle/>
-              <a:p>
-                <a:pPr algn="just"/>
-                <a14:m>
-                  <m:oMathPara xmlns:m="http://schemas.openxmlformats.org/officeDocument/2006/math">
-                    <m:oMathParaPr>
-                      <m:jc m:val="center"/>
-                    </m:oMathParaPr>
-                    <m:oMath xmlns:m="http://schemas.openxmlformats.org/officeDocument/2006/math">
-                      <m:f>
-                        <m:fPr>
-                          <m:ctrlPr>
-                            <a:rPr lang="de-DE" sz="2000" b="1" i="1" smtClean="0">
-                              <a:solidFill>
-                                <a:sysClr val="windowText" lastClr="000000"/>
-                              </a:solidFill>
-                              <a:latin typeface="Cambria Math" panose="02040503050406030204" pitchFamily="18" charset="0"/>
-                            </a:rPr>
-                          </m:ctrlPr>
-                        </m:fPr>
-                        <m:num>
-                          <m:r>
-                            <a:rPr lang="de-DE" sz="2000" b="1" i="1" smtClean="0">
-                              <a:solidFill>
-                                <a:sysClr val="windowText" lastClr="000000"/>
-                              </a:solidFill>
-                              <a:latin typeface="Cambria Math" panose="02040503050406030204" pitchFamily="18" charset="0"/>
-                            </a:rPr>
-                            <m:t>𝟏</m:t>
-                          </m:r>
-                        </m:num>
-                        <m:den>
-                          <m:r>
-                            <a:rPr lang="de-DE" sz="2000" b="1" i="1" smtClean="0">
-                              <a:solidFill>
-                                <a:sysClr val="windowText" lastClr="000000"/>
-                              </a:solidFill>
-                              <a:latin typeface="Cambria Math" panose="02040503050406030204" pitchFamily="18" charset="0"/>
-                            </a:rPr>
-                            <m:t>𝒛</m:t>
-                          </m:r>
-                        </m:den>
-                      </m:f>
-                    </m:oMath>
-                  </m:oMathPara>
-                </a14:m>
-                <a:endParaRPr lang="de-DE" sz="4000" b="1" i="1" dirty="0">
-                  <a:solidFill>
-                    <a:sysClr val="windowText" lastClr="000000"/>
-                  </a:solidFill>
-                </a:endParaRPr>
-              </a:p>
-            </p:txBody>
-          </p:sp>
-        </mc:Choice>
-        <mc:Fallback>
-          <p:sp>
-            <p:nvSpPr>
-              <p:cNvPr id="47" name="Rechteck 46"/>
-              <p:cNvSpPr>
-                <a:spLocks noRot="1" noChangeAspect="1" noMove="1" noResize="1" noEditPoints="1" noAdjustHandles="1" noChangeArrowheads="1" noChangeShapeType="1" noTextEdit="1"/>
-              </p:cNvSpPr>
-              <p:nvPr/>
-            </p:nvSpPr>
-            <p:spPr>
-              <a:xfrm>
-                <a:off x="5935579" y="4293637"/>
-                <a:ext cx="619225" cy="729686"/>
-              </a:xfrm>
-              <a:prstGeom prst="rect">
-                <a:avLst/>
-              </a:prstGeom>
-              <a:blipFill rotWithShape="0">
-                <a:blip r:embed="rId7"/>
-                <a:stretch>
-                  <a:fillRect/>
-                </a:stretch>
-              </a:blipFill>
-              <a:ln>
-                <a:solidFill>
-                  <a:schemeClr val="tx1"/>
-                </a:solidFill>
-              </a:ln>
-            </p:spPr>
-            <p:txBody>
-              <a:bodyPr/>
-              <a:lstStyle/>
-              <a:p>
-                <a:r>
-                  <a:rPr lang="de-DE">
-                    <a:noFill/>
-                  </a:rPr>
-                  <a:t> </a:t>
-                </a:r>
-              </a:p>
-            </p:txBody>
-          </p:sp>
-        </mc:Fallback>
-      </mc:AlternateContent>
       <p:cxnSp>
         <p:nvCxnSpPr>
           <p:cNvPr id="48" name="Gerade Verbindung mit Pfeil 47"/>
           <p:cNvCxnSpPr>
             <a:stCxn id="51" idx="6"/>
-            <a:endCxn id="47" idx="1"/>
+            <a:endCxn id="63" idx="1"/>
           </p:cNvCxnSpPr>
           <p:nvPr/>
         </p:nvCxnSpPr>
         <p:spPr>
           <a:xfrm>
             <a:off x="4611531" y="4646165"/>
-            <a:ext cx="1324048" cy="12315"/>
+            <a:ext cx="1356209" cy="11425"/>
           </a:xfrm>
           <a:prstGeom prst="straightConnector1">
             <a:avLst/>
@@ -5799,15 +5186,15 @@
         <p:nvCxnSpPr>
           <p:cNvPr id="49" name="Gerade Verbindung mit Pfeil 48"/>
           <p:cNvCxnSpPr>
-            <a:stCxn id="47" idx="3"/>
-            <a:endCxn id="46" idx="1"/>
+            <a:stCxn id="63" idx="3"/>
+            <a:endCxn id="70" idx="1"/>
           </p:cNvCxnSpPr>
           <p:nvPr/>
         </p:nvCxnSpPr>
         <p:spPr>
-          <a:xfrm flipV="1">
-            <a:off x="6554804" y="4657590"/>
-            <a:ext cx="1939490" cy="890"/>
+          <a:xfrm>
+            <a:off x="6532408" y="4657590"/>
+            <a:ext cx="1930146" cy="0"/>
           </a:xfrm>
           <a:prstGeom prst="straightConnector1">
             <a:avLst/>
@@ -5838,14 +5225,14 @@
         <p:nvCxnSpPr>
           <p:cNvPr id="50" name="Gerade Verbindung mit Pfeil 11"/>
           <p:cNvCxnSpPr>
-            <a:endCxn id="44" idx="3"/>
+            <a:endCxn id="64" idx="3"/>
           </p:cNvCxnSpPr>
           <p:nvPr/>
         </p:nvCxnSpPr>
         <p:spPr>
           <a:xfrm rot="5400000">
-            <a:off x="6542646" y="4669749"/>
-            <a:ext cx="979627" cy="955313"/>
+            <a:off x="6526761" y="4663240"/>
+            <a:ext cx="989005" cy="977709"/>
           </a:xfrm>
           <a:prstGeom prst="bentConnector2">
             <a:avLst/>
@@ -5872,8 +5259,8 @@
           </a:fontRef>
         </p:style>
       </p:cxnSp>
-      <mc:AlternateContent xmlns:mc="http://schemas.openxmlformats.org/markup-compatibility/2006">
-        <mc:Choice xmlns:a14="http://schemas.microsoft.com/office/drawing/2010/main" Requires="a14">
+      <mc:AlternateContent xmlns:mc="http://schemas.openxmlformats.org/markup-compatibility/2006" xmlns:a14="http://schemas.microsoft.com/office/drawing/2010/main">
+        <mc:Choice Requires="a14">
           <p:sp>
             <p:nvSpPr>
               <p:cNvPr id="51" name="Ellipse 50"/>
@@ -5950,7 +5337,7 @@
             </p:txBody>
           </p:sp>
         </mc:Choice>
-        <mc:Fallback>
+        <mc:Fallback xmlns="">
           <p:sp>
             <p:nvSpPr>
               <p:cNvPr id="51" name="Ellipse 50"/>
@@ -5998,15 +5385,15 @@
         <p:nvCxnSpPr>
           <p:cNvPr id="52" name="Gerade Verbindung mit Pfeil 51"/>
           <p:cNvCxnSpPr>
-            <a:stCxn id="45" idx="3"/>
+            <a:stCxn id="57" idx="3"/>
             <a:endCxn id="51" idx="2"/>
           </p:cNvCxnSpPr>
           <p:nvPr/>
         </p:nvCxnSpPr>
         <p:spPr>
           <a:xfrm flipV="1">
-            <a:off x="3686476" y="4646165"/>
-            <a:ext cx="424685" cy="11425"/>
+            <a:off x="3641525" y="4646165"/>
+            <a:ext cx="469636" cy="11425"/>
           </a:xfrm>
           <a:prstGeom prst="straightConnector1">
             <a:avLst/>
@@ -6037,15 +5424,15 @@
         <p:nvCxnSpPr>
           <p:cNvPr id="53" name="Gerade Verbindung mit Pfeil 11"/>
           <p:cNvCxnSpPr>
-            <a:stCxn id="44" idx="1"/>
+            <a:stCxn id="64" idx="1"/>
             <a:endCxn id="51" idx="4"/>
           </p:cNvCxnSpPr>
           <p:nvPr/>
         </p:nvCxnSpPr>
         <p:spPr>
           <a:xfrm rot="10800000">
-            <a:off x="4361347" y="4896351"/>
-            <a:ext cx="1574231" cy="740869"/>
+            <a:off x="4361346" y="4896351"/>
+            <a:ext cx="1606394" cy="750247"/>
           </a:xfrm>
           <a:prstGeom prst="bentConnector2">
             <a:avLst/>
@@ -6076,15 +5463,15 @@
         <p:nvCxnSpPr>
           <p:cNvPr id="54" name="Gerade Verbindung mit Pfeil 53"/>
           <p:cNvCxnSpPr>
-            <a:stCxn id="46" idx="3"/>
+            <a:stCxn id="70" idx="3"/>
             <a:endCxn id="62" idx="4"/>
           </p:cNvCxnSpPr>
           <p:nvPr/>
         </p:nvCxnSpPr>
         <p:spPr>
           <a:xfrm flipV="1">
-            <a:off x="9113519" y="3929926"/>
-            <a:ext cx="1560198" cy="727664"/>
+            <a:off x="9027222" y="3929926"/>
+            <a:ext cx="1646495" cy="727664"/>
           </a:xfrm>
           <a:prstGeom prst="bentConnector2">
             <a:avLst/>
@@ -6111,8 +5498,8 @@
           </a:fontRef>
         </p:style>
       </p:cxnSp>
-      <mc:AlternateContent xmlns:mc="http://schemas.openxmlformats.org/markup-compatibility/2006">
-        <mc:Choice xmlns:a14="http://schemas.microsoft.com/office/drawing/2010/main" Requires="a14">
+      <mc:AlternateContent xmlns:mc="http://schemas.openxmlformats.org/markup-compatibility/2006" xmlns:a14="http://schemas.microsoft.com/office/drawing/2010/main">
+        <mc:Choice Requires="a14">
           <p:sp>
             <p:nvSpPr>
               <p:cNvPr id="55" name="Textfeld 54"/>
@@ -6135,6 +5522,7 @@
               </a:bodyPr>
               <a:lstStyle/>
               <a:p>
+                <a:pPr/>
                 <a14:m>
                   <m:oMathPara xmlns:m="http://schemas.openxmlformats.org/officeDocument/2006/math">
                     <m:oMathParaPr>
@@ -6186,7 +5574,7 @@
             </p:txBody>
           </p:sp>
         </mc:Choice>
-        <mc:Fallback>
+        <mc:Fallback xmlns="">
           <p:sp>
             <p:nvSpPr>
               <p:cNvPr id="55" name="Textfeld 54"/>
@@ -6225,8 +5613,8 @@
           </p:sp>
         </mc:Fallback>
       </mc:AlternateContent>
-      <mc:AlternateContent xmlns:mc="http://schemas.openxmlformats.org/markup-compatibility/2006">
-        <mc:Choice xmlns:a14="http://schemas.microsoft.com/office/drawing/2010/main" Requires="a14">
+      <mc:AlternateContent xmlns:mc="http://schemas.openxmlformats.org/markup-compatibility/2006" xmlns:a14="http://schemas.microsoft.com/office/drawing/2010/main">
+        <mc:Choice Requires="a14">
           <p:sp>
             <p:nvSpPr>
               <p:cNvPr id="60" name="Textfeld 59"/>
@@ -6249,6 +5637,7 @@
               </a:bodyPr>
               <a:lstStyle/>
               <a:p>
+                <a:pPr/>
                 <a14:m>
                   <m:oMathPara xmlns:m="http://schemas.openxmlformats.org/officeDocument/2006/math">
                     <m:oMathParaPr>
@@ -6306,7 +5695,7 @@
             </p:txBody>
           </p:sp>
         </mc:Choice>
-        <mc:Fallback>
+        <mc:Fallback xmlns="">
           <p:sp>
             <p:nvSpPr>
               <p:cNvPr id="60" name="Textfeld 59"/>
@@ -6345,8 +5734,8 @@
           </p:sp>
         </mc:Fallback>
       </mc:AlternateContent>
-      <mc:AlternateContent xmlns:mc="http://schemas.openxmlformats.org/markup-compatibility/2006">
-        <mc:Choice xmlns:a14="http://schemas.microsoft.com/office/drawing/2010/main" Requires="a14">
+      <mc:AlternateContent xmlns:mc="http://schemas.openxmlformats.org/markup-compatibility/2006" xmlns:a14="http://schemas.microsoft.com/office/drawing/2010/main">
+        <mc:Choice Requires="a14">
           <p:sp>
             <p:nvSpPr>
               <p:cNvPr id="61" name="Textfeld 60"/>
@@ -6369,6 +5758,7 @@
               </a:bodyPr>
               <a:lstStyle/>
               <a:p>
+                <a:pPr/>
                 <a14:m>
                   <m:oMathPara xmlns:m="http://schemas.openxmlformats.org/officeDocument/2006/math">
                     <m:oMathParaPr>
@@ -6432,7 +5822,7 @@
             </p:txBody>
           </p:sp>
         </mc:Choice>
-        <mc:Fallback>
+        <mc:Fallback xmlns="">
           <p:sp>
             <p:nvSpPr>
               <p:cNvPr id="61" name="Textfeld 60"/>
@@ -6471,8 +5861,8 @@
           </p:sp>
         </mc:Fallback>
       </mc:AlternateContent>
-      <mc:AlternateContent xmlns:mc="http://schemas.openxmlformats.org/markup-compatibility/2006">
-        <mc:Choice xmlns:a14="http://schemas.microsoft.com/office/drawing/2010/main" Requires="a14">
+      <mc:AlternateContent xmlns:mc="http://schemas.openxmlformats.org/markup-compatibility/2006" xmlns:a14="http://schemas.microsoft.com/office/drawing/2010/main">
+        <mc:Choice Requires="a14">
           <p:sp>
             <p:nvSpPr>
               <p:cNvPr id="62" name="Ellipse 61"/>
@@ -6549,7 +5939,7 @@
             </p:txBody>
           </p:sp>
         </mc:Choice>
-        <mc:Fallback>
+        <mc:Fallback xmlns="">
           <p:sp>
             <p:nvSpPr>
               <p:cNvPr id="62" name="Ellipse 61"/>
@@ -6593,79 +5983,19 @@
           </p:sp>
         </mc:Fallback>
       </mc:AlternateContent>
-      <p:sp>
-        <p:nvSpPr>
-          <p:cNvPr id="68" name="Rechteck 67"/>
-          <p:cNvSpPr/>
-          <p:nvPr/>
-        </p:nvSpPr>
-        <p:spPr>
-          <a:xfrm>
-            <a:off x="5950011" y="3314898"/>
-            <a:ext cx="619225" cy="729686"/>
-          </a:xfrm>
-          <a:prstGeom prst="rect">
-            <a:avLst/>
-          </a:prstGeom>
-          <a:solidFill>
-            <a:schemeClr val="bg1"/>
-          </a:solidFill>
-          <a:ln>
-            <a:solidFill>
-              <a:schemeClr val="tx1"/>
-            </a:solidFill>
-          </a:ln>
-        </p:spPr>
-        <p:style>
-          <a:lnRef idx="2">
-            <a:schemeClr val="accent1">
-              <a:shade val="50000"/>
-            </a:schemeClr>
-          </a:lnRef>
-          <a:fillRef idx="1">
-            <a:schemeClr val="accent1"/>
-          </a:fillRef>
-          <a:effectRef idx="0">
-            <a:schemeClr val="accent1"/>
-          </a:effectRef>
-          <a:fontRef idx="minor">
-            <a:schemeClr val="lt1"/>
-          </a:fontRef>
-        </p:style>
-        <p:txBody>
-          <a:bodyPr rtlCol="0" anchor="ctr"/>
-          <a:lstStyle/>
-          <a:p>
-            <a:pPr algn="ctr"/>
-            <a:r>
-              <a:rPr lang="de-DE" sz="4000" b="1" i="1" dirty="0" smtClean="0">
-                <a:solidFill>
-                  <a:sysClr val="windowText" lastClr="000000"/>
-                </a:solidFill>
-              </a:rPr>
-              <a:t>L</a:t>
-            </a:r>
-            <a:endParaRPr lang="de-DE" sz="4000" b="1" i="1" dirty="0">
-              <a:solidFill>
-                <a:sysClr val="windowText" lastClr="000000"/>
-              </a:solidFill>
-            </a:endParaRPr>
-          </a:p>
-        </p:txBody>
-      </p:sp>
       <p:cxnSp>
         <p:nvCxnSpPr>
           <p:cNvPr id="69" name="Gerade Verbindung mit Pfeil 68"/>
           <p:cNvCxnSpPr>
             <a:stCxn id="62" idx="2"/>
-            <a:endCxn id="68" idx="3"/>
+            <a:endCxn id="72" idx="3"/>
           </p:cNvCxnSpPr>
           <p:nvPr/>
         </p:nvCxnSpPr>
         <p:spPr>
-          <a:xfrm flipH="1">
-            <a:off x="6569236" y="3679741"/>
-            <a:ext cx="3854296" cy="0"/>
+          <a:xfrm flipH="1" flipV="1">
+            <a:off x="6514680" y="3674162"/>
+            <a:ext cx="3908852" cy="5579"/>
           </a:xfrm>
           <a:prstGeom prst="straightConnector1">
             <a:avLst/>
@@ -6692,8 +6022,8 @@
           </a:fontRef>
         </p:style>
       </p:cxnSp>
-      <mc:AlternateContent xmlns:mc="http://schemas.openxmlformats.org/markup-compatibility/2006">
-        <mc:Choice xmlns:a14="http://schemas.microsoft.com/office/drawing/2010/main" Requires="a14">
+      <mc:AlternateContent xmlns:mc="http://schemas.openxmlformats.org/markup-compatibility/2006" xmlns:a14="http://schemas.microsoft.com/office/drawing/2010/main">
+        <mc:Choice Requires="a14">
           <p:sp>
             <p:nvSpPr>
               <p:cNvPr id="77" name="Textfeld 76"/>
@@ -6716,6 +6046,7 @@
               </a:bodyPr>
               <a:lstStyle/>
               <a:p>
+                <a:pPr/>
                 <a14:m>
                   <m:oMathPara xmlns:m="http://schemas.openxmlformats.org/officeDocument/2006/math">
                     <m:oMathParaPr>
@@ -6767,7 +6098,7 @@
             </p:txBody>
           </p:sp>
         </mc:Choice>
-        <mc:Fallback>
+        <mc:Fallback xmlns="">
           <p:sp>
             <p:nvSpPr>
               <p:cNvPr id="77" name="Textfeld 76"/>
@@ -6810,15 +6141,15 @@
         <p:nvCxnSpPr>
           <p:cNvPr id="81" name="Gerade Verbindung mit Pfeil 11"/>
           <p:cNvCxnSpPr>
-            <a:stCxn id="68" idx="1"/>
+            <a:stCxn id="72" idx="1"/>
             <a:endCxn id="51" idx="0"/>
           </p:cNvCxnSpPr>
           <p:nvPr/>
         </p:nvCxnSpPr>
         <p:spPr>
           <a:xfrm rot="10800000" flipV="1">
-            <a:off x="4361347" y="3679740"/>
-            <a:ext cx="1588665" cy="716239"/>
+            <a:off x="4361346" y="3674162"/>
+            <a:ext cx="1588666" cy="721818"/>
           </a:xfrm>
           <a:prstGeom prst="bentConnector2">
             <a:avLst/>
@@ -6849,14 +6180,14 @@
         <p:nvCxnSpPr>
           <p:cNvPr id="84" name="Gerade Verbindung mit Pfeil 83"/>
           <p:cNvCxnSpPr>
-            <a:endCxn id="5" idx="1"/>
+            <a:endCxn id="66" idx="1"/>
           </p:cNvCxnSpPr>
           <p:nvPr/>
         </p:nvCxnSpPr>
         <p:spPr>
           <a:xfrm flipV="1">
             <a:off x="1172015" y="1146996"/>
-            <a:ext cx="1895236" cy="11426"/>
+            <a:ext cx="1891999" cy="11426"/>
           </a:xfrm>
           <a:prstGeom prst="straightConnector1">
             <a:avLst/>
@@ -6887,14 +6218,14 @@
         <p:nvCxnSpPr>
           <p:cNvPr id="87" name="Gerade Verbindung mit Pfeil 11"/>
           <p:cNvCxnSpPr>
-            <a:endCxn id="45" idx="1"/>
+            <a:endCxn id="57" idx="1"/>
           </p:cNvCxnSpPr>
           <p:nvPr/>
         </p:nvCxnSpPr>
         <p:spPr>
           <a:xfrm rot="16200000" flipH="1">
-            <a:off x="668771" y="2259110"/>
-            <a:ext cx="3499168" cy="1297791"/>
+            <a:off x="679995" y="2260728"/>
+            <a:ext cx="3499168" cy="1294555"/>
           </a:xfrm>
           <a:prstGeom prst="bentConnector2">
             <a:avLst/>
@@ -6921,8 +6252,8 @@
           </a:fontRef>
         </p:style>
       </p:cxnSp>
-      <mc:AlternateContent xmlns:mc="http://schemas.openxmlformats.org/markup-compatibility/2006">
-        <mc:Choice xmlns:a14="http://schemas.microsoft.com/office/drawing/2010/main" Requires="a14">
+      <mc:AlternateContent xmlns:mc="http://schemas.openxmlformats.org/markup-compatibility/2006" xmlns:a14="http://schemas.microsoft.com/office/drawing/2010/main">
+        <mc:Choice Requires="a14">
           <p:sp>
             <p:nvSpPr>
               <p:cNvPr id="90" name="Textfeld 89"/>
@@ -6945,6 +6276,7 @@
               </a:bodyPr>
               <a:lstStyle/>
               <a:p>
+                <a:pPr/>
                 <a14:m>
                   <m:oMathPara xmlns:m="http://schemas.openxmlformats.org/officeDocument/2006/math">
                     <m:oMathParaPr>
@@ -6984,7 +6316,7 @@
             </p:txBody>
           </p:sp>
         </mc:Choice>
-        <mc:Fallback>
+        <mc:Fallback xmlns="">
           <p:sp>
             <p:nvSpPr>
               <p:cNvPr id="90" name="Textfeld 89"/>
@@ -7023,8 +6355,8 @@
           </p:sp>
         </mc:Fallback>
       </mc:AlternateContent>
-      <mc:AlternateContent xmlns:mc="http://schemas.openxmlformats.org/markup-compatibility/2006">
-        <mc:Choice xmlns:a14="http://schemas.microsoft.com/office/drawing/2010/main" Requires="a14">
+      <mc:AlternateContent xmlns:mc="http://schemas.openxmlformats.org/markup-compatibility/2006" xmlns:a14="http://schemas.microsoft.com/office/drawing/2010/main">
+        <mc:Choice Requires="a14">
           <p:sp>
             <p:nvSpPr>
               <p:cNvPr id="91" name="Textfeld 90"/>
@@ -7047,6 +6379,7 @@
               </a:bodyPr>
               <a:lstStyle/>
               <a:p>
+                <a:pPr/>
                 <a14:m>
                   <m:oMathPara xmlns:m="http://schemas.openxmlformats.org/officeDocument/2006/math">
                     <m:oMathParaPr>
@@ -7067,7 +6400,7 @@
             </p:txBody>
           </p:sp>
         </mc:Choice>
-        <mc:Fallback>
+        <mc:Fallback xmlns="">
           <p:sp>
             <p:nvSpPr>
               <p:cNvPr id="91" name="Textfeld 90"/>
@@ -7106,8 +6439,8 @@
           </p:sp>
         </mc:Fallback>
       </mc:AlternateContent>
-      <mc:AlternateContent xmlns:mc="http://schemas.openxmlformats.org/markup-compatibility/2006">
-        <mc:Choice xmlns:a14="http://schemas.microsoft.com/office/drawing/2010/main" Requires="a14">
+      <mc:AlternateContent xmlns:mc="http://schemas.openxmlformats.org/markup-compatibility/2006" xmlns:a14="http://schemas.microsoft.com/office/drawing/2010/main">
+        <mc:Choice Requires="a14">
           <p:sp>
             <p:nvSpPr>
               <p:cNvPr id="92" name="Textfeld 91"/>
@@ -7130,6 +6463,7 @@
               </a:bodyPr>
               <a:lstStyle/>
               <a:p>
+                <a:pPr/>
                 <a14:m>
                   <m:oMathPara xmlns:m="http://schemas.openxmlformats.org/officeDocument/2006/math">
                     <m:oMathParaPr>
@@ -7150,7 +6484,7 @@
             </p:txBody>
           </p:sp>
         </mc:Choice>
-        <mc:Fallback>
+        <mc:Fallback xmlns="">
           <p:sp>
             <p:nvSpPr>
               <p:cNvPr id="92" name="Textfeld 91"/>
@@ -7189,6 +6523,742 @@
           </p:sp>
         </mc:Fallback>
       </mc:AlternateContent>
+      <mc:AlternateContent xmlns:mc="http://schemas.openxmlformats.org/markup-compatibility/2006">
+        <mc:Choice xmlns:a14="http://schemas.microsoft.com/office/drawing/2010/main" Requires="a14">
+          <p:sp>
+            <p:nvSpPr>
+              <p:cNvPr id="42" name="Rechteck 41"/>
+              <p:cNvSpPr/>
+              <p:nvPr/>
+            </p:nvSpPr>
+            <p:spPr>
+              <a:xfrm>
+                <a:off x="5962855" y="782153"/>
+                <a:ext cx="564668" cy="729686"/>
+              </a:xfrm>
+              <a:prstGeom prst="rect">
+                <a:avLst/>
+              </a:prstGeom>
+              <a:solidFill>
+                <a:schemeClr val="bg1"/>
+              </a:solidFill>
+              <a:ln>
+                <a:solidFill>
+                  <a:schemeClr val="tx1"/>
+                </a:solidFill>
+              </a:ln>
+            </p:spPr>
+            <p:style>
+              <a:lnRef idx="2">
+                <a:schemeClr val="accent1">
+                  <a:shade val="50000"/>
+                </a:schemeClr>
+              </a:lnRef>
+              <a:fillRef idx="1">
+                <a:schemeClr val="accent1"/>
+              </a:fillRef>
+              <a:effectRef idx="0">
+                <a:schemeClr val="accent1"/>
+              </a:effectRef>
+              <a:fontRef idx="minor">
+                <a:schemeClr val="lt1"/>
+              </a:fontRef>
+            </p:style>
+            <p:txBody>
+              <a:bodyPr rtlCol="0" anchor="ctr"/>
+              <a:lstStyle/>
+              <a:p>
+                <a:pPr algn="just"/>
+                <a14:m>
+                  <m:oMathPara xmlns:m="http://schemas.openxmlformats.org/officeDocument/2006/math">
+                    <m:oMathParaPr>
+                      <m:jc m:val="center"/>
+                    </m:oMathParaPr>
+                    <m:oMath xmlns:m="http://schemas.openxmlformats.org/officeDocument/2006/math">
+                      <m:f>
+                        <m:fPr>
+                          <m:ctrlPr>
+                            <a:rPr lang="de-DE" sz="2400" b="1" i="1">
+                              <a:solidFill>
+                                <a:sysClr val="windowText" lastClr="000000"/>
+                              </a:solidFill>
+                              <a:latin typeface="Cambria Math" panose="02040503050406030204" pitchFamily="18" charset="0"/>
+                            </a:rPr>
+                          </m:ctrlPr>
+                        </m:fPr>
+                        <m:num>
+                          <m:r>
+                            <a:rPr lang="de-DE" sz="2400" b="1" i="1">
+                              <a:solidFill>
+                                <a:sysClr val="windowText" lastClr="000000"/>
+                              </a:solidFill>
+                              <a:latin typeface="Cambria Math" panose="02040503050406030204" pitchFamily="18" charset="0"/>
+                            </a:rPr>
+                            <m:t>𝟏</m:t>
+                          </m:r>
+                        </m:num>
+                        <m:den>
+                          <m:r>
+                            <a:rPr lang="de-DE" sz="2400" b="1" i="1">
+                              <a:solidFill>
+                                <a:sysClr val="windowText" lastClr="000000"/>
+                              </a:solidFill>
+                              <a:latin typeface="Cambria Math" panose="02040503050406030204" pitchFamily="18" charset="0"/>
+                            </a:rPr>
+                            <m:t>𝒛</m:t>
+                          </m:r>
+                        </m:den>
+                      </m:f>
+                    </m:oMath>
+                  </m:oMathPara>
+                </a14:m>
+                <a:endParaRPr lang="de-DE" sz="4000" b="1" i="1" dirty="0">
+                  <a:solidFill>
+                    <a:sysClr val="windowText" lastClr="000000"/>
+                  </a:solidFill>
+                  <a:latin typeface="Cambria Math" panose="02040503050406030204" pitchFamily="18" charset="0"/>
+                  <a:ea typeface="Cambria Math" panose="02040503050406030204" pitchFamily="18" charset="0"/>
+                </a:endParaRPr>
+              </a:p>
+            </p:txBody>
+          </p:sp>
+        </mc:Choice>
+        <mc:Fallback>
+          <p:sp>
+            <p:nvSpPr>
+              <p:cNvPr id="42" name="Rechteck 41"/>
+              <p:cNvSpPr>
+                <a:spLocks noRot="1" noChangeAspect="1" noMove="1" noResize="1" noEditPoints="1" noAdjustHandles="1" noChangeArrowheads="1" noChangeShapeType="1" noTextEdit="1"/>
+              </p:cNvSpPr>
+              <p:nvPr/>
+            </p:nvSpPr>
+            <p:spPr>
+              <a:xfrm>
+                <a:off x="5962855" y="782153"/>
+                <a:ext cx="564668" cy="729686"/>
+              </a:xfrm>
+              <a:prstGeom prst="rect">
+                <a:avLst/>
+              </a:prstGeom>
+              <a:blipFill rotWithShape="0">
+                <a:blip r:embed="rId17"/>
+                <a:stretch>
+                  <a:fillRect/>
+                </a:stretch>
+              </a:blipFill>
+              <a:ln>
+                <a:solidFill>
+                  <a:schemeClr val="tx1"/>
+                </a:solidFill>
+              </a:ln>
+            </p:spPr>
+            <p:txBody>
+              <a:bodyPr/>
+              <a:lstStyle/>
+              <a:p>
+                <a:r>
+                  <a:rPr lang="de-DE">
+                    <a:noFill/>
+                  </a:rPr>
+                  <a:t> </a:t>
+                </a:r>
+              </a:p>
+            </p:txBody>
+          </p:sp>
+        </mc:Fallback>
+      </mc:AlternateContent>
+      <p:sp>
+        <p:nvSpPr>
+          <p:cNvPr id="57" name="Rechteck 56"/>
+          <p:cNvSpPr/>
+          <p:nvPr/>
+        </p:nvSpPr>
+        <p:spPr>
+          <a:xfrm>
+            <a:off x="3076857" y="4292747"/>
+            <a:ext cx="564668" cy="729686"/>
+          </a:xfrm>
+          <a:prstGeom prst="rect">
+            <a:avLst/>
+          </a:prstGeom>
+          <a:solidFill>
+            <a:schemeClr val="bg1"/>
+          </a:solidFill>
+          <a:ln>
+            <a:solidFill>
+              <a:schemeClr val="tx1"/>
+            </a:solidFill>
+          </a:ln>
+        </p:spPr>
+        <p:style>
+          <a:lnRef idx="2">
+            <a:schemeClr val="accent1">
+              <a:shade val="50000"/>
+            </a:schemeClr>
+          </a:lnRef>
+          <a:fillRef idx="1">
+            <a:schemeClr val="accent1"/>
+          </a:fillRef>
+          <a:effectRef idx="0">
+            <a:schemeClr val="accent1"/>
+          </a:effectRef>
+          <a:fontRef idx="minor">
+            <a:schemeClr val="lt1"/>
+          </a:fontRef>
+        </p:style>
+        <p:txBody>
+          <a:bodyPr rtlCol="0" anchor="ctr"/>
+          <a:lstStyle/>
+          <a:p>
+            <a:pPr algn="just"/>
+            <a:r>
+              <a:rPr lang="de-DE" sz="4000" b="1" i="1" dirty="0" smtClean="0">
+                <a:solidFill>
+                  <a:sysClr val="windowText" lastClr="000000"/>
+                </a:solidFill>
+                <a:latin typeface="Cambria Math" panose="02040503050406030204" pitchFamily="18" charset="0"/>
+                <a:ea typeface="Cambria Math" panose="02040503050406030204" pitchFamily="18" charset="0"/>
+              </a:rPr>
+              <a:t>B</a:t>
+            </a:r>
+            <a:endParaRPr lang="de-DE" sz="4000" b="1" i="1" dirty="0">
+              <a:solidFill>
+                <a:sysClr val="windowText" lastClr="000000"/>
+              </a:solidFill>
+              <a:latin typeface="Cambria Math" panose="02040503050406030204" pitchFamily="18" charset="0"/>
+              <a:ea typeface="Cambria Math" panose="02040503050406030204" pitchFamily="18" charset="0"/>
+            </a:endParaRPr>
+          </a:p>
+        </p:txBody>
+      </p:sp>
+      <mc:AlternateContent xmlns:mc="http://schemas.openxmlformats.org/markup-compatibility/2006">
+        <mc:Choice xmlns:a14="http://schemas.microsoft.com/office/drawing/2010/main" Requires="a14">
+          <p:sp>
+            <p:nvSpPr>
+              <p:cNvPr id="63" name="Rechteck 62"/>
+              <p:cNvSpPr/>
+              <p:nvPr/>
+            </p:nvSpPr>
+            <p:spPr>
+              <a:xfrm>
+                <a:off x="5967740" y="4292747"/>
+                <a:ext cx="564668" cy="729686"/>
+              </a:xfrm>
+              <a:prstGeom prst="rect">
+                <a:avLst/>
+              </a:prstGeom>
+              <a:solidFill>
+                <a:schemeClr val="bg1"/>
+              </a:solidFill>
+              <a:ln>
+                <a:solidFill>
+                  <a:schemeClr val="tx1"/>
+                </a:solidFill>
+              </a:ln>
+            </p:spPr>
+            <p:style>
+              <a:lnRef idx="2">
+                <a:schemeClr val="accent1">
+                  <a:shade val="50000"/>
+                </a:schemeClr>
+              </a:lnRef>
+              <a:fillRef idx="1">
+                <a:schemeClr val="accent1"/>
+              </a:fillRef>
+              <a:effectRef idx="0">
+                <a:schemeClr val="accent1"/>
+              </a:effectRef>
+              <a:fontRef idx="minor">
+                <a:schemeClr val="lt1"/>
+              </a:fontRef>
+            </p:style>
+            <p:txBody>
+              <a:bodyPr rtlCol="0" anchor="ctr"/>
+              <a:lstStyle/>
+              <a:p>
+                <a:pPr algn="just"/>
+                <a14:m>
+                  <m:oMathPara xmlns:m="http://schemas.openxmlformats.org/officeDocument/2006/math">
+                    <m:oMathParaPr>
+                      <m:jc m:val="center"/>
+                    </m:oMathParaPr>
+                    <m:oMath xmlns:m="http://schemas.openxmlformats.org/officeDocument/2006/math">
+                      <m:f>
+                        <m:fPr>
+                          <m:ctrlPr>
+                            <a:rPr lang="de-DE" sz="2400" b="1" i="1">
+                              <a:solidFill>
+                                <a:sysClr val="windowText" lastClr="000000"/>
+                              </a:solidFill>
+                              <a:latin typeface="Cambria Math" panose="02040503050406030204" pitchFamily="18" charset="0"/>
+                            </a:rPr>
+                          </m:ctrlPr>
+                        </m:fPr>
+                        <m:num>
+                          <m:r>
+                            <a:rPr lang="de-DE" sz="2400" b="1" i="1">
+                              <a:solidFill>
+                                <a:sysClr val="windowText" lastClr="000000"/>
+                              </a:solidFill>
+                              <a:latin typeface="Cambria Math" panose="02040503050406030204" pitchFamily="18" charset="0"/>
+                            </a:rPr>
+                            <m:t>𝟏</m:t>
+                          </m:r>
+                        </m:num>
+                        <m:den>
+                          <m:r>
+                            <a:rPr lang="de-DE" sz="2400" b="1" i="1">
+                              <a:solidFill>
+                                <a:sysClr val="windowText" lastClr="000000"/>
+                              </a:solidFill>
+                              <a:latin typeface="Cambria Math" panose="02040503050406030204" pitchFamily="18" charset="0"/>
+                            </a:rPr>
+                            <m:t>𝒛</m:t>
+                          </m:r>
+                        </m:den>
+                      </m:f>
+                    </m:oMath>
+                  </m:oMathPara>
+                </a14:m>
+                <a:endParaRPr lang="de-DE" sz="4000" b="1" i="1" dirty="0">
+                  <a:solidFill>
+                    <a:sysClr val="windowText" lastClr="000000"/>
+                  </a:solidFill>
+                  <a:latin typeface="Cambria Math" panose="02040503050406030204" pitchFamily="18" charset="0"/>
+                  <a:ea typeface="Cambria Math" panose="02040503050406030204" pitchFamily="18" charset="0"/>
+                </a:endParaRPr>
+              </a:p>
+            </p:txBody>
+          </p:sp>
+        </mc:Choice>
+        <mc:Fallback>
+          <p:sp>
+            <p:nvSpPr>
+              <p:cNvPr id="63" name="Rechteck 62"/>
+              <p:cNvSpPr>
+                <a:spLocks noRot="1" noChangeAspect="1" noMove="1" noResize="1" noEditPoints="1" noAdjustHandles="1" noChangeArrowheads="1" noChangeShapeType="1" noTextEdit="1"/>
+              </p:cNvSpPr>
+              <p:nvPr/>
+            </p:nvSpPr>
+            <p:spPr>
+              <a:xfrm>
+                <a:off x="5967740" y="4292747"/>
+                <a:ext cx="564668" cy="729686"/>
+              </a:xfrm>
+              <a:prstGeom prst="rect">
+                <a:avLst/>
+              </a:prstGeom>
+              <a:blipFill rotWithShape="0">
+                <a:blip r:embed="rId18"/>
+                <a:stretch>
+                  <a:fillRect/>
+                </a:stretch>
+              </a:blipFill>
+              <a:ln>
+                <a:solidFill>
+                  <a:schemeClr val="tx1"/>
+                </a:solidFill>
+              </a:ln>
+            </p:spPr>
+            <p:txBody>
+              <a:bodyPr/>
+              <a:lstStyle/>
+              <a:p>
+                <a:r>
+                  <a:rPr lang="de-DE">
+                    <a:noFill/>
+                  </a:rPr>
+                  <a:t> </a:t>
+                </a:r>
+              </a:p>
+            </p:txBody>
+          </p:sp>
+        </mc:Fallback>
+      </mc:AlternateContent>
+      <p:sp>
+        <p:nvSpPr>
+          <p:cNvPr id="64" name="Rechteck 63"/>
+          <p:cNvSpPr/>
+          <p:nvPr/>
+        </p:nvSpPr>
+        <p:spPr>
+          <a:xfrm>
+            <a:off x="5967740" y="5281754"/>
+            <a:ext cx="564668" cy="729686"/>
+          </a:xfrm>
+          <a:prstGeom prst="rect">
+            <a:avLst/>
+          </a:prstGeom>
+          <a:solidFill>
+            <a:schemeClr val="bg1"/>
+          </a:solidFill>
+          <a:ln>
+            <a:solidFill>
+              <a:schemeClr val="tx1"/>
+            </a:solidFill>
+          </a:ln>
+        </p:spPr>
+        <p:style>
+          <a:lnRef idx="2">
+            <a:schemeClr val="accent1">
+              <a:shade val="50000"/>
+            </a:schemeClr>
+          </a:lnRef>
+          <a:fillRef idx="1">
+            <a:schemeClr val="accent1"/>
+          </a:fillRef>
+          <a:effectRef idx="0">
+            <a:schemeClr val="accent1"/>
+          </a:effectRef>
+          <a:fontRef idx="minor">
+            <a:schemeClr val="lt1"/>
+          </a:fontRef>
+        </p:style>
+        <p:txBody>
+          <a:bodyPr rtlCol="0" anchor="ctr"/>
+          <a:lstStyle/>
+          <a:p>
+            <a:pPr algn="ctr"/>
+            <a:r>
+              <a:rPr lang="de-DE" sz="4000" b="1" i="1" dirty="0" smtClean="0">
+                <a:solidFill>
+                  <a:sysClr val="windowText" lastClr="000000"/>
+                </a:solidFill>
+                <a:latin typeface="Cambria Math" panose="02040503050406030204" pitchFamily="18" charset="0"/>
+                <a:ea typeface="Cambria Math" panose="02040503050406030204" pitchFamily="18" charset="0"/>
+              </a:rPr>
+              <a:t>A</a:t>
+            </a:r>
+            <a:endParaRPr lang="de-DE" sz="4000" b="1" i="1" dirty="0">
+              <a:solidFill>
+                <a:sysClr val="windowText" lastClr="000000"/>
+              </a:solidFill>
+              <a:latin typeface="Cambria Math" panose="02040503050406030204" pitchFamily="18" charset="0"/>
+              <a:ea typeface="Cambria Math" panose="02040503050406030204" pitchFamily="18" charset="0"/>
+            </a:endParaRPr>
+          </a:p>
+        </p:txBody>
+      </p:sp>
+      <p:sp>
+        <p:nvSpPr>
+          <p:cNvPr id="65" name="Rechteck 64"/>
+          <p:cNvSpPr/>
+          <p:nvPr/>
+        </p:nvSpPr>
+        <p:spPr>
+          <a:xfrm>
+            <a:off x="5959871" y="1948000"/>
+            <a:ext cx="564668" cy="729686"/>
+          </a:xfrm>
+          <a:prstGeom prst="rect">
+            <a:avLst/>
+          </a:prstGeom>
+          <a:solidFill>
+            <a:schemeClr val="bg1"/>
+          </a:solidFill>
+          <a:ln>
+            <a:solidFill>
+              <a:schemeClr val="tx1"/>
+            </a:solidFill>
+          </a:ln>
+        </p:spPr>
+        <p:style>
+          <a:lnRef idx="2">
+            <a:schemeClr val="accent1">
+              <a:shade val="50000"/>
+            </a:schemeClr>
+          </a:lnRef>
+          <a:fillRef idx="1">
+            <a:schemeClr val="accent1"/>
+          </a:fillRef>
+          <a:effectRef idx="0">
+            <a:schemeClr val="accent1"/>
+          </a:effectRef>
+          <a:fontRef idx="minor">
+            <a:schemeClr val="lt1"/>
+          </a:fontRef>
+        </p:style>
+        <p:txBody>
+          <a:bodyPr rtlCol="0" anchor="ctr"/>
+          <a:lstStyle/>
+          <a:p>
+            <a:pPr algn="ctr"/>
+            <a:r>
+              <a:rPr lang="de-DE" sz="4000" b="1" i="1" dirty="0" smtClean="0">
+                <a:solidFill>
+                  <a:sysClr val="windowText" lastClr="000000"/>
+                </a:solidFill>
+                <a:latin typeface="Cambria Math" panose="02040503050406030204" pitchFamily="18" charset="0"/>
+                <a:ea typeface="Cambria Math" panose="02040503050406030204" pitchFamily="18" charset="0"/>
+              </a:rPr>
+              <a:t>A</a:t>
+            </a:r>
+            <a:endParaRPr lang="de-DE" sz="4000" b="1" i="1" dirty="0">
+              <a:solidFill>
+                <a:sysClr val="windowText" lastClr="000000"/>
+              </a:solidFill>
+              <a:latin typeface="Cambria Math" panose="02040503050406030204" pitchFamily="18" charset="0"/>
+              <a:ea typeface="Cambria Math" panose="02040503050406030204" pitchFamily="18" charset="0"/>
+            </a:endParaRPr>
+          </a:p>
+        </p:txBody>
+      </p:sp>
+      <p:sp>
+        <p:nvSpPr>
+          <p:cNvPr id="66" name="Rechteck 65"/>
+          <p:cNvSpPr/>
+          <p:nvPr/>
+        </p:nvSpPr>
+        <p:spPr>
+          <a:xfrm>
+            <a:off x="3064014" y="782153"/>
+            <a:ext cx="564668" cy="729686"/>
+          </a:xfrm>
+          <a:prstGeom prst="rect">
+            <a:avLst/>
+          </a:prstGeom>
+          <a:solidFill>
+            <a:schemeClr val="bg1"/>
+          </a:solidFill>
+          <a:ln>
+            <a:solidFill>
+              <a:schemeClr val="tx1"/>
+            </a:solidFill>
+          </a:ln>
+        </p:spPr>
+        <p:style>
+          <a:lnRef idx="2">
+            <a:schemeClr val="accent1">
+              <a:shade val="50000"/>
+            </a:schemeClr>
+          </a:lnRef>
+          <a:fillRef idx="1">
+            <a:schemeClr val="accent1"/>
+          </a:fillRef>
+          <a:effectRef idx="0">
+            <a:schemeClr val="accent1"/>
+          </a:effectRef>
+          <a:fontRef idx="minor">
+            <a:schemeClr val="lt1"/>
+          </a:fontRef>
+        </p:style>
+        <p:txBody>
+          <a:bodyPr rtlCol="0" anchor="ctr"/>
+          <a:lstStyle/>
+          <a:p>
+            <a:pPr algn="just"/>
+            <a:r>
+              <a:rPr lang="de-DE" sz="4000" b="1" i="1" dirty="0" smtClean="0">
+                <a:solidFill>
+                  <a:sysClr val="windowText" lastClr="000000"/>
+                </a:solidFill>
+                <a:latin typeface="Cambria Math" panose="02040503050406030204" pitchFamily="18" charset="0"/>
+                <a:ea typeface="Cambria Math" panose="02040503050406030204" pitchFamily="18" charset="0"/>
+              </a:rPr>
+              <a:t>B</a:t>
+            </a:r>
+            <a:endParaRPr lang="de-DE" sz="4000" b="1" i="1" dirty="0">
+              <a:solidFill>
+                <a:sysClr val="windowText" lastClr="000000"/>
+              </a:solidFill>
+              <a:latin typeface="Cambria Math" panose="02040503050406030204" pitchFamily="18" charset="0"/>
+              <a:ea typeface="Cambria Math" panose="02040503050406030204" pitchFamily="18" charset="0"/>
+            </a:endParaRPr>
+          </a:p>
+        </p:txBody>
+      </p:sp>
+      <p:sp>
+        <p:nvSpPr>
+          <p:cNvPr id="67" name="Rechteck 66"/>
+          <p:cNvSpPr/>
+          <p:nvPr/>
+        </p:nvSpPr>
+        <p:spPr>
+          <a:xfrm>
+            <a:off x="8462554" y="782153"/>
+            <a:ext cx="564668" cy="729686"/>
+          </a:xfrm>
+          <a:prstGeom prst="rect">
+            <a:avLst/>
+          </a:prstGeom>
+          <a:solidFill>
+            <a:schemeClr val="bg1"/>
+          </a:solidFill>
+          <a:ln>
+            <a:solidFill>
+              <a:schemeClr val="tx1"/>
+            </a:solidFill>
+          </a:ln>
+        </p:spPr>
+        <p:style>
+          <a:lnRef idx="2">
+            <a:schemeClr val="accent1">
+              <a:shade val="50000"/>
+            </a:schemeClr>
+          </a:lnRef>
+          <a:fillRef idx="1">
+            <a:schemeClr val="accent1"/>
+          </a:fillRef>
+          <a:effectRef idx="0">
+            <a:schemeClr val="accent1"/>
+          </a:effectRef>
+          <a:fontRef idx="minor">
+            <a:schemeClr val="lt1"/>
+          </a:fontRef>
+        </p:style>
+        <p:txBody>
+          <a:bodyPr rtlCol="0" anchor="ctr"/>
+          <a:lstStyle/>
+          <a:p>
+            <a:pPr algn="just"/>
+            <a:r>
+              <a:rPr lang="de-DE" sz="4000" b="1" i="1" dirty="0" smtClean="0">
+                <a:solidFill>
+                  <a:sysClr val="windowText" lastClr="000000"/>
+                </a:solidFill>
+                <a:latin typeface="Cambria Math" panose="02040503050406030204" pitchFamily="18" charset="0"/>
+                <a:ea typeface="Cambria Math" panose="02040503050406030204" pitchFamily="18" charset="0"/>
+              </a:rPr>
+              <a:t>C</a:t>
+            </a:r>
+            <a:endParaRPr lang="de-DE" sz="4000" b="1" i="1" dirty="0">
+              <a:solidFill>
+                <a:sysClr val="windowText" lastClr="000000"/>
+              </a:solidFill>
+              <a:latin typeface="Cambria Math" panose="02040503050406030204" pitchFamily="18" charset="0"/>
+              <a:ea typeface="Cambria Math" panose="02040503050406030204" pitchFamily="18" charset="0"/>
+            </a:endParaRPr>
+          </a:p>
+        </p:txBody>
+      </p:sp>
+      <p:sp>
+        <p:nvSpPr>
+          <p:cNvPr id="70" name="Rechteck 69"/>
+          <p:cNvSpPr/>
+          <p:nvPr/>
+        </p:nvSpPr>
+        <p:spPr>
+          <a:xfrm>
+            <a:off x="8462554" y="4292747"/>
+            <a:ext cx="564668" cy="729686"/>
+          </a:xfrm>
+          <a:prstGeom prst="rect">
+            <a:avLst/>
+          </a:prstGeom>
+          <a:solidFill>
+            <a:schemeClr val="bg1"/>
+          </a:solidFill>
+          <a:ln>
+            <a:solidFill>
+              <a:schemeClr val="tx1"/>
+            </a:solidFill>
+          </a:ln>
+        </p:spPr>
+        <p:style>
+          <a:lnRef idx="2">
+            <a:schemeClr val="accent1">
+              <a:shade val="50000"/>
+            </a:schemeClr>
+          </a:lnRef>
+          <a:fillRef idx="1">
+            <a:schemeClr val="accent1"/>
+          </a:fillRef>
+          <a:effectRef idx="0">
+            <a:schemeClr val="accent1"/>
+          </a:effectRef>
+          <a:fontRef idx="minor">
+            <a:schemeClr val="lt1"/>
+          </a:fontRef>
+        </p:style>
+        <p:txBody>
+          <a:bodyPr rtlCol="0" anchor="ctr"/>
+          <a:lstStyle/>
+          <a:p>
+            <a:pPr algn="just"/>
+            <a:r>
+              <a:rPr lang="de-DE" sz="4000" b="1" i="1" dirty="0" smtClean="0">
+                <a:solidFill>
+                  <a:sysClr val="windowText" lastClr="000000"/>
+                </a:solidFill>
+                <a:latin typeface="Cambria Math" panose="02040503050406030204" pitchFamily="18" charset="0"/>
+                <a:ea typeface="Cambria Math" panose="02040503050406030204" pitchFamily="18" charset="0"/>
+              </a:rPr>
+              <a:t>C</a:t>
+            </a:r>
+            <a:endParaRPr lang="de-DE" sz="4000" b="1" i="1" dirty="0">
+              <a:solidFill>
+                <a:sysClr val="windowText" lastClr="000000"/>
+              </a:solidFill>
+              <a:latin typeface="Cambria Math" panose="02040503050406030204" pitchFamily="18" charset="0"/>
+              <a:ea typeface="Cambria Math" panose="02040503050406030204" pitchFamily="18" charset="0"/>
+            </a:endParaRPr>
+          </a:p>
+        </p:txBody>
+      </p:sp>
+      <p:sp>
+        <p:nvSpPr>
+          <p:cNvPr id="72" name="Rechteck 71"/>
+          <p:cNvSpPr/>
+          <p:nvPr/>
+        </p:nvSpPr>
+        <p:spPr>
+          <a:xfrm>
+            <a:off x="5950012" y="3309319"/>
+            <a:ext cx="564668" cy="729686"/>
+          </a:xfrm>
+          <a:prstGeom prst="rect">
+            <a:avLst/>
+          </a:prstGeom>
+          <a:solidFill>
+            <a:schemeClr val="bg1"/>
+          </a:solidFill>
+          <a:ln>
+            <a:solidFill>
+              <a:schemeClr val="tx1"/>
+            </a:solidFill>
+          </a:ln>
+        </p:spPr>
+        <p:style>
+          <a:lnRef idx="2">
+            <a:schemeClr val="accent1">
+              <a:shade val="50000"/>
+            </a:schemeClr>
+          </a:lnRef>
+          <a:fillRef idx="1">
+            <a:schemeClr val="accent1"/>
+          </a:fillRef>
+          <a:effectRef idx="0">
+            <a:schemeClr val="accent1"/>
+          </a:effectRef>
+          <a:fontRef idx="minor">
+            <a:schemeClr val="lt1"/>
+          </a:fontRef>
+        </p:style>
+        <p:txBody>
+          <a:bodyPr rtlCol="0" anchor="ctr"/>
+          <a:lstStyle/>
+          <a:p>
+            <a:pPr algn="just"/>
+            <a:r>
+              <a:rPr lang="de-DE" sz="4000" b="1" i="1" dirty="0" smtClean="0">
+                <a:solidFill>
+                  <a:sysClr val="windowText" lastClr="000000"/>
+                </a:solidFill>
+                <a:latin typeface="Cambria Math" panose="02040503050406030204" pitchFamily="18" charset="0"/>
+                <a:ea typeface="Cambria Math" panose="02040503050406030204" pitchFamily="18" charset="0"/>
+              </a:rPr>
+              <a:t>L</a:t>
+            </a:r>
+            <a:endParaRPr lang="de-DE" sz="4000" b="1" i="1" dirty="0">
+              <a:solidFill>
+                <a:sysClr val="windowText" lastClr="000000"/>
+              </a:solidFill>
+              <a:latin typeface="Cambria Math" panose="02040503050406030204" pitchFamily="18" charset="0"/>
+              <a:ea typeface="Cambria Math" panose="02040503050406030204" pitchFamily="18" charset="0"/>
+            </a:endParaRPr>
+          </a:p>
+        </p:txBody>
+      </p:sp>
     </p:spTree>
     <p:extLst>
       <p:ext uri="{BB962C8B-B14F-4D97-AF65-F5344CB8AC3E}">
@@ -7289,7 +7359,7 @@
             </p:nvSpPr>
             <p:spPr>
               <a:xfrm>
-                <a:off x="2940303" y="3129473"/>
+                <a:off x="3070938" y="3129473"/>
                 <a:ext cx="619225" cy="729686"/>
               </a:xfrm>
               <a:prstGeom prst="rect">
@@ -7388,7 +7458,7 @@
             </p:nvSpPr>
             <p:spPr>
               <a:xfrm>
-                <a:off x="2940303" y="3129473"/>
+                <a:off x="3070938" y="3129473"/>
                 <a:ext cx="619225" cy="729686"/>
               </a:xfrm>
               <a:prstGeom prst="rect">
@@ -7460,8 +7530,8 @@
           </a:fontRef>
         </p:style>
       </p:cxnSp>
-      <mc:AlternateContent xmlns:mc="http://schemas.openxmlformats.org/markup-compatibility/2006">
-        <mc:Choice xmlns:a14="http://schemas.microsoft.com/office/drawing/2010/main" Requires="a14">
+      <mc:AlternateContent xmlns:mc="http://schemas.openxmlformats.org/markup-compatibility/2006" xmlns:a14="http://schemas.microsoft.com/office/drawing/2010/main">
+        <mc:Choice Requires="a14">
           <p:sp>
             <p:nvSpPr>
               <p:cNvPr id="68" name="Ellipse 67"/>
@@ -7538,7 +7608,7 @@
             </p:txBody>
           </p:sp>
         </mc:Choice>
-        <mc:Fallback>
+        <mc:Fallback xmlns="">
           <p:sp>
             <p:nvSpPr>
               <p:cNvPr id="68" name="Ellipse 67"/>
@@ -7592,7 +7662,7 @@
             </p:nvSpPr>
             <p:spPr>
               <a:xfrm>
-                <a:off x="1436100" y="1660082"/>
+                <a:off x="1910800" y="1717353"/>
                 <a:ext cx="1164627" cy="523220"/>
               </a:xfrm>
               <a:prstGeom prst="rect">
@@ -7606,6 +7676,7 @@
               </a:bodyPr>
               <a:lstStyle/>
               <a:p>
+                <a:pPr/>
                 <a14:m>
                   <m:oMathPara xmlns:m="http://schemas.openxmlformats.org/officeDocument/2006/math">
                     <m:oMathParaPr>
@@ -7615,42 +7686,42 @@
                       <m:sSub>
                         <m:sSubPr>
                           <m:ctrlPr>
-                            <a:rPr lang="de-DE" sz="2800" b="1" i="1" smtClean="0">
+                            <a:rPr lang="de-DE" sz="2800" i="1" smtClean="0">
                               <a:latin typeface="Cambria Math" panose="02040503050406030204" pitchFamily="18" charset="0"/>
                             </a:rPr>
                           </m:ctrlPr>
                         </m:sSubPr>
                         <m:e>
                           <m:r>
-                            <a:rPr lang="de-DE" sz="2800" b="1" i="1" smtClean="0">
+                            <a:rPr lang="de-DE" sz="2800" b="0" i="1" smtClean="0">
                               <a:latin typeface="Cambria Math" panose="02040503050406030204" pitchFamily="18" charset="0"/>
                             </a:rPr>
-                            <m:t>𝝋</m:t>
+                            <m:t>𝜑</m:t>
                           </m:r>
                         </m:e>
                         <m:sub>
                           <m:r>
-                            <a:rPr lang="de-DE" sz="2800" b="1" i="1" smtClean="0">
+                            <a:rPr lang="de-DE" sz="2800" b="0" i="1" smtClean="0">
                               <a:latin typeface="Cambria Math" panose="02040503050406030204" pitchFamily="18" charset="0"/>
                             </a:rPr>
-                            <m:t>𝑨</m:t>
+                            <m:t>𝐴</m:t>
                           </m:r>
                         </m:sub>
                       </m:sSub>
                       <m:r>
-                        <a:rPr lang="de-DE" sz="2800" b="1" i="1" smtClean="0">
+                        <a:rPr lang="de-DE" sz="2800" b="0" i="1" smtClean="0">
                           <a:latin typeface="Cambria Math" panose="02040503050406030204" pitchFamily="18" charset="0"/>
                         </a:rPr>
                         <m:t>(</m:t>
                       </m:r>
                       <m:r>
-                        <a:rPr lang="de-DE" sz="2800" b="1" i="1" smtClean="0">
+                        <a:rPr lang="de-DE" sz="2800" b="0" i="1" smtClean="0">
                           <a:latin typeface="Cambria Math" panose="02040503050406030204" pitchFamily="18" charset="0"/>
                         </a:rPr>
-                        <m:t>𝒔</m:t>
+                        <m:t>𝑠</m:t>
                       </m:r>
                       <m:r>
-                        <a:rPr lang="de-DE" sz="2800" b="1" i="1" smtClean="0">
+                        <a:rPr lang="de-DE" sz="2800" b="0" i="1" smtClean="0">
                           <a:latin typeface="Cambria Math" panose="02040503050406030204" pitchFamily="18" charset="0"/>
                         </a:rPr>
                         <m:t>)</m:t>
@@ -7658,7 +7729,7 @@
                     </m:oMath>
                   </m:oMathPara>
                 </a14:m>
-                <a:endParaRPr lang="de-DE" b="1" dirty="0"/>
+                <a:endParaRPr lang="de-DE" dirty="0"/>
               </a:p>
             </p:txBody>
           </p:sp>
@@ -7674,7 +7745,7 @@
             </p:nvSpPr>
             <p:spPr>
               <a:xfrm>
-                <a:off x="1436100" y="1660082"/>
+                <a:off x="1910800" y="1717353"/>
                 <a:ext cx="1164627" cy="523220"/>
               </a:xfrm>
               <a:prstGeom prst="rect">
@@ -7712,7 +7783,7 @@
             </p:nvSpPr>
             <p:spPr>
               <a:xfrm>
-                <a:off x="1428321" y="2867863"/>
+                <a:off x="1910800" y="2917657"/>
                 <a:ext cx="1164627" cy="523220"/>
               </a:xfrm>
               <a:prstGeom prst="rect">
@@ -7726,6 +7797,7 @@
               </a:bodyPr>
               <a:lstStyle/>
               <a:p>
+                <a:pPr/>
                 <a14:m>
                   <m:oMathPara xmlns:m="http://schemas.openxmlformats.org/officeDocument/2006/math">
                     <m:oMathParaPr>
@@ -7735,7 +7807,7 @@
                       <m:sSub>
                         <m:sSubPr>
                           <m:ctrlPr>
-                            <a:rPr lang="de-DE" sz="2800" b="1" i="1" smtClean="0">
+                            <a:rPr lang="de-DE" sz="2800" i="1" smtClean="0">
                               <a:latin typeface="Cambria Math" panose="02040503050406030204" pitchFamily="18" charset="0"/>
                             </a:rPr>
                           </m:ctrlPr>
@@ -7745,44 +7817,44 @@
                             <m:accPr>
                               <m:chr m:val="̇"/>
                               <m:ctrlPr>
-                                <a:rPr lang="de-DE" sz="2800" b="1" i="1" smtClean="0">
+                                <a:rPr lang="de-DE" sz="2800" i="1" smtClean="0">
                                   <a:latin typeface="Cambria Math" panose="02040503050406030204" pitchFamily="18" charset="0"/>
                                 </a:rPr>
                               </m:ctrlPr>
                             </m:accPr>
                             <m:e>
                               <m:r>
-                                <a:rPr lang="de-DE" sz="2800" b="1" i="1" smtClean="0">
+                                <a:rPr lang="de-DE" sz="2800" b="0" i="1" smtClean="0">
                                   <a:latin typeface="Cambria Math" panose="02040503050406030204" pitchFamily="18" charset="0"/>
                                 </a:rPr>
-                                <m:t>𝝋</m:t>
+                                <m:t>𝜑</m:t>
                               </m:r>
                             </m:e>
                           </m:acc>
                         </m:e>
                         <m:sub>
                           <m:r>
-                            <a:rPr lang="de-DE" sz="2800" b="1" i="1" smtClean="0">
+                            <a:rPr lang="de-DE" sz="2800" b="0" i="1" smtClean="0">
                               <a:latin typeface="Cambria Math" panose="02040503050406030204" pitchFamily="18" charset="0"/>
                             </a:rPr>
-                            <m:t>𝑮</m:t>
+                            <m:t>𝐺</m:t>
                           </m:r>
                         </m:sub>
                       </m:sSub>
                       <m:r>
-                        <a:rPr lang="de-DE" sz="2800" b="1" i="1" smtClean="0">
+                        <a:rPr lang="de-DE" sz="2800" b="0" i="1" smtClean="0">
                           <a:latin typeface="Cambria Math" panose="02040503050406030204" pitchFamily="18" charset="0"/>
                         </a:rPr>
                         <m:t>(</m:t>
                       </m:r>
                       <m:r>
-                        <a:rPr lang="de-DE" sz="2800" b="1" i="1" smtClean="0">
+                        <a:rPr lang="de-DE" sz="2800" b="0" i="1" smtClean="0">
                           <a:latin typeface="Cambria Math" panose="02040503050406030204" pitchFamily="18" charset="0"/>
                         </a:rPr>
-                        <m:t>𝒔</m:t>
+                        <m:t>𝑠</m:t>
                       </m:r>
                       <m:r>
-                        <a:rPr lang="de-DE" sz="2800" b="1" i="1" smtClean="0">
+                        <a:rPr lang="de-DE" sz="2800" b="0" i="1" smtClean="0">
                           <a:latin typeface="Cambria Math" panose="02040503050406030204" pitchFamily="18" charset="0"/>
                         </a:rPr>
                         <m:t>)</m:t>
@@ -7790,7 +7862,7 @@
                     </m:oMath>
                   </m:oMathPara>
                 </a14:m>
-                <a:endParaRPr lang="de-DE" b="1" dirty="0"/>
+                <a:endParaRPr lang="de-DE" dirty="0"/>
               </a:p>
             </p:txBody>
           </p:sp>
@@ -7806,7 +7878,7 @@
             </p:nvSpPr>
             <p:spPr>
               <a:xfrm>
-                <a:off x="1428321" y="2867863"/>
+                <a:off x="1910800" y="2917657"/>
                 <a:ext cx="1164627" cy="523220"/>
               </a:xfrm>
               <a:prstGeom prst="rect">
@@ -7844,7 +7916,7 @@
             </p:nvSpPr>
             <p:spPr>
               <a:xfrm>
-                <a:off x="3616609" y="2911831"/>
+                <a:off x="3707948" y="2911831"/>
                 <a:ext cx="1164627" cy="523220"/>
               </a:xfrm>
               <a:prstGeom prst="rect">
@@ -7858,6 +7930,7 @@
               </a:bodyPr>
               <a:lstStyle/>
               <a:p>
+                <a:pPr/>
                 <a14:m>
                   <m:oMathPara xmlns:m="http://schemas.openxmlformats.org/officeDocument/2006/math">
                     <m:oMathParaPr>
@@ -7867,42 +7940,42 @@
                       <m:sSub>
                         <m:sSubPr>
                           <m:ctrlPr>
-                            <a:rPr lang="de-DE" sz="2800" b="1" i="1" smtClean="0">
+                            <a:rPr lang="de-DE" sz="2800" i="1" smtClean="0">
                               <a:latin typeface="Cambria Math" panose="02040503050406030204" pitchFamily="18" charset="0"/>
                             </a:rPr>
                           </m:ctrlPr>
                         </m:sSubPr>
                         <m:e>
                           <m:r>
-                            <a:rPr lang="de-DE" sz="2800" b="1" i="1" smtClean="0">
+                            <a:rPr lang="de-DE" sz="2800" b="0" i="1" smtClean="0">
                               <a:latin typeface="Cambria Math" panose="02040503050406030204" pitchFamily="18" charset="0"/>
                             </a:rPr>
-                            <m:t>𝝋</m:t>
+                            <m:t>𝜑</m:t>
                           </m:r>
                         </m:e>
                         <m:sub>
                           <m:r>
-                            <a:rPr lang="de-DE" sz="2800" b="1" i="1" smtClean="0">
+                            <a:rPr lang="de-DE" sz="2800" b="0" i="1" smtClean="0">
                               <a:latin typeface="Cambria Math" panose="02040503050406030204" pitchFamily="18" charset="0"/>
                             </a:rPr>
-                            <m:t>𝑮</m:t>
+                            <m:t>𝐺</m:t>
                           </m:r>
                         </m:sub>
                       </m:sSub>
                       <m:r>
-                        <a:rPr lang="de-DE" sz="2800" b="1" i="1" smtClean="0">
+                        <a:rPr lang="de-DE" sz="2800" b="0" i="1" smtClean="0">
                           <a:latin typeface="Cambria Math" panose="02040503050406030204" pitchFamily="18" charset="0"/>
                         </a:rPr>
                         <m:t>(</m:t>
                       </m:r>
                       <m:r>
-                        <a:rPr lang="de-DE" sz="2800" b="1" i="1" smtClean="0">
+                        <a:rPr lang="de-DE" sz="2800" b="0" i="1" smtClean="0">
                           <a:latin typeface="Cambria Math" panose="02040503050406030204" pitchFamily="18" charset="0"/>
                         </a:rPr>
-                        <m:t>𝒔</m:t>
+                        <m:t>𝑠</m:t>
                       </m:r>
                       <m:r>
-                        <a:rPr lang="de-DE" sz="2800" b="1" i="1" smtClean="0">
+                        <a:rPr lang="de-DE" sz="2800" b="0" i="1" smtClean="0">
                           <a:latin typeface="Cambria Math" panose="02040503050406030204" pitchFamily="18" charset="0"/>
                         </a:rPr>
                         <m:t>)</m:t>
@@ -7910,7 +7983,7 @@
                     </m:oMath>
                   </m:oMathPara>
                 </a14:m>
-                <a:endParaRPr lang="de-DE" b="1" dirty="0"/>
+                <a:endParaRPr lang="de-DE" dirty="0"/>
               </a:p>
             </p:txBody>
           </p:sp>
@@ -7926,7 +7999,7 @@
             </p:nvSpPr>
             <p:spPr>
               <a:xfrm>
-                <a:off x="3616609" y="2911831"/>
+                <a:off x="3707948" y="2911831"/>
                 <a:ext cx="1164627" cy="523220"/>
               </a:xfrm>
               <a:prstGeom prst="rect">
@@ -7954,8 +8027,8 @@
           </p:sp>
         </mc:Fallback>
       </mc:AlternateContent>
-      <mc:AlternateContent xmlns:mc="http://schemas.openxmlformats.org/markup-compatibility/2006">
-        <mc:Choice xmlns:a14="http://schemas.microsoft.com/office/drawing/2010/main" Requires="a14">
+      <mc:AlternateContent xmlns:mc="http://schemas.openxmlformats.org/markup-compatibility/2006" xmlns:a14="http://schemas.microsoft.com/office/drawing/2010/main">
+        <mc:Choice Requires="a14">
           <p:sp>
             <p:nvSpPr>
               <p:cNvPr id="27" name="Rechteck 26"/>
@@ -8088,7 +8161,7 @@
             </p:txBody>
           </p:sp>
         </mc:Choice>
-        <mc:Fallback>
+        <mc:Fallback xmlns="">
           <p:sp>
             <p:nvSpPr>
               <p:cNvPr id="27" name="Rechteck 26"/>
@@ -8132,8 +8205,8 @@
           </p:sp>
         </mc:Fallback>
       </mc:AlternateContent>
-      <mc:AlternateContent xmlns:mc="http://schemas.openxmlformats.org/markup-compatibility/2006">
-        <mc:Choice xmlns:a14="http://schemas.microsoft.com/office/drawing/2010/main" Requires="a14">
+      <mc:AlternateContent xmlns:mc="http://schemas.openxmlformats.org/markup-compatibility/2006" xmlns:a14="http://schemas.microsoft.com/office/drawing/2010/main">
+        <mc:Choice Requires="a14">
           <p:sp>
             <p:nvSpPr>
               <p:cNvPr id="28" name="Rechteck 27"/>
@@ -8284,7 +8357,7 @@
             </p:txBody>
           </p:sp>
         </mc:Choice>
-        <mc:Fallback>
+        <mc:Fallback xmlns="">
           <p:sp>
             <p:nvSpPr>
               <p:cNvPr id="28" name="Rechteck 27"/>
@@ -8429,6 +8502,7 @@
               </a:bodyPr>
               <a:lstStyle/>
               <a:p>
+                <a:pPr/>
                 <a14:m>
                   <m:oMathPara xmlns:m="http://schemas.openxmlformats.org/officeDocument/2006/math">
                     <m:oMathParaPr>
@@ -8438,42 +8512,42 @@
                       <m:sSub>
                         <m:sSubPr>
                           <m:ctrlPr>
-                            <a:rPr lang="de-DE" sz="2800" b="1" i="1" smtClean="0">
+                            <a:rPr lang="de-DE" sz="2800" i="1" smtClean="0">
                               <a:latin typeface="Cambria Math" panose="02040503050406030204" pitchFamily="18" charset="0"/>
                             </a:rPr>
                           </m:ctrlPr>
                         </m:sSubPr>
                         <m:e>
                           <m:r>
-                            <a:rPr lang="de-DE" sz="2800" b="1" i="1" smtClean="0">
+                            <a:rPr lang="de-DE" sz="2800" b="0" i="1" smtClean="0">
                               <a:latin typeface="Cambria Math" panose="02040503050406030204" pitchFamily="18" charset="0"/>
                             </a:rPr>
-                            <m:t>𝝋</m:t>
+                            <m:t>𝜑</m:t>
                           </m:r>
                         </m:e>
                         <m:sub>
                           <m:r>
-                            <a:rPr lang="de-DE" sz="2800" b="1" i="1" smtClean="0">
+                            <a:rPr lang="de-DE" sz="2800" b="0" i="1" smtClean="0">
                               <a:latin typeface="Cambria Math" panose="02040503050406030204" pitchFamily="18" charset="0"/>
                             </a:rPr>
-                            <m:t>𝑪</m:t>
+                            <m:t>𝐶</m:t>
                           </m:r>
                         </m:sub>
                       </m:sSub>
                       <m:r>
-                        <a:rPr lang="de-DE" sz="2800" b="1" i="1" smtClean="0">
+                        <a:rPr lang="de-DE" sz="2800" b="0" i="1" smtClean="0">
                           <a:latin typeface="Cambria Math" panose="02040503050406030204" pitchFamily="18" charset="0"/>
                         </a:rPr>
                         <m:t>(</m:t>
                       </m:r>
                       <m:r>
-                        <a:rPr lang="de-DE" sz="2800" b="1" i="1" smtClean="0">
+                        <a:rPr lang="de-DE" sz="2800" b="0" i="1" smtClean="0">
                           <a:latin typeface="Cambria Math" panose="02040503050406030204" pitchFamily="18" charset="0"/>
                         </a:rPr>
-                        <m:t>𝒔</m:t>
+                        <m:t>𝑠</m:t>
                       </m:r>
                       <m:r>
-                        <a:rPr lang="de-DE" sz="2800" b="1" i="1" smtClean="0">
+                        <a:rPr lang="de-DE" sz="2800" b="0" i="1" smtClean="0">
                           <a:latin typeface="Cambria Math" panose="02040503050406030204" pitchFamily="18" charset="0"/>
                         </a:rPr>
                         <m:t>)</m:t>
@@ -8481,7 +8555,7 @@
                     </m:oMath>
                   </m:oMathPara>
                 </a14:m>
-                <a:endParaRPr lang="de-DE" b="1" dirty="0"/>
+                <a:endParaRPr lang="de-DE" dirty="0"/>
               </a:p>
             </p:txBody>
           </p:sp>
@@ -8535,8 +8609,8 @@
         </p:nvCxnSpPr>
         <p:spPr>
           <a:xfrm>
-            <a:off x="1428321" y="2286535"/>
-            <a:ext cx="4117670" cy="13534"/>
+            <a:off x="1910800" y="2294012"/>
+            <a:ext cx="3635191" cy="6057"/>
           </a:xfrm>
           <a:prstGeom prst="straightConnector1">
             <a:avLst/>
@@ -8574,8 +8648,8 @@
         </p:nvCxnSpPr>
         <p:spPr>
           <a:xfrm>
-            <a:off x="3559528" y="3494316"/>
-            <a:ext cx="1986463" cy="0"/>
+            <a:off x="3690163" y="3494316"/>
+            <a:ext cx="1855828" cy="0"/>
           </a:xfrm>
           <a:prstGeom prst="straightConnector1">
             <a:avLst/>
@@ -8612,8 +8686,8 @@
         </p:nvCxnSpPr>
         <p:spPr>
           <a:xfrm>
-            <a:off x="1428321" y="3494316"/>
-            <a:ext cx="1511982" cy="0"/>
+            <a:off x="1910800" y="3494316"/>
+            <a:ext cx="1160138" cy="0"/>
           </a:xfrm>
           <a:prstGeom prst="straightConnector1">
             <a:avLst/>
